--- a/examples/how-to-debug-website/how-to-debug-viewfinder.pptx
+++ b/examples/how-to-debug-website/how-to-debug-viewfinder.pptx
@@ -5,18 +5,21 @@
     <p:sldMasterId id="2147483648" r:id="rId1"/>
     <p:sldMasterId id="2147483660" r:id="rId3"/>
   </p:sldMasterIdLst>
+  <p:notesMasterIdLst>
+    <p:notesMasterId r:id="rId5"/>
+  </p:notesMasterIdLst>
   <p:sldIdLst>
     <p:sldId id="256" r:id="rId4"/>
-    <p:sldId id="259" r:id="rId5"/>
     <p:sldId id="260" r:id="rId6"/>
-    <p:sldId id="274" r:id="rId7"/>
-    <p:sldId id="273" r:id="rId8"/>
-    <p:sldId id="268" r:id="rId9"/>
-    <p:sldId id="275" r:id="rId10"/>
-    <p:sldId id="276" r:id="rId11"/>
+    <p:sldId id="283" r:id="rId7"/>
+    <p:sldId id="282" r:id="rId8"/>
+    <p:sldId id="274" r:id="rId9"/>
+    <p:sldId id="285" r:id="rId10"/>
+    <p:sldId id="273" r:id="rId11"/>
     <p:sldId id="270" r:id="rId12"/>
     <p:sldId id="272" r:id="rId13"/>
     <p:sldId id="271" r:id="rId14"/>
+    <p:sldId id="284" r:id="rId15"/>
   </p:sldIdLst>
   <p:sldSz cx="12192000" cy="6858000"/>
   <p:notesSz cx="6858000" cy="9144000"/>
@@ -116,6 +119,1617 @@
     </a:lvl9pPr>
   </p:defaultTextStyle>
 </p:presentation>
+</file>
+
+<file path=ppt/notesMasters/notesMaster1.xml><?xml version="1.0" encoding="utf-8"?>
+<p:notesMaster xmlns:a="http://schemas.openxmlformats.org/drawingml/2006/main" xmlns:r="http://schemas.openxmlformats.org/officeDocument/2006/relationships" xmlns:p="http://schemas.openxmlformats.org/presentationml/2006/main">
+  <p:cSld>
+    <p:bg>
+      <p:bgRef idx="1001">
+        <a:schemeClr val="bg1"/>
+      </p:bgRef>
+    </p:bg>
+    <p:spTree>
+      <p:nvGrpSpPr>
+        <p:cNvPr id="1" name=""/>
+        <p:cNvGrpSpPr/>
+        <p:nvPr/>
+      </p:nvGrpSpPr>
+      <p:grpSpPr>
+        <a:xfrm>
+          <a:off x="0" y="0"/>
+          <a:ext cx="0" cy="0"/>
+          <a:chOff x="0" y="0"/>
+          <a:chExt cx="0" cy="0"/>
+        </a:xfrm>
+      </p:grpSpPr>
+      <p:sp>
+        <p:nvSpPr>
+          <p:cNvPr id="2" name="页眉占位符 1"/>
+          <p:cNvSpPr>
+            <a:spLocks noGrp="1"/>
+          </p:cNvSpPr>
+          <p:nvPr>
+            <p:ph type="hdr" sz="quarter"/>
+          </p:nvPr>
+        </p:nvSpPr>
+        <p:spPr>
+          <a:xfrm>
+            <a:off x="0" y="0"/>
+            <a:ext cx="2971800" cy="458788"/>
+          </a:xfrm>
+          <a:prstGeom prst="rect">
+            <a:avLst/>
+          </a:prstGeom>
+        </p:spPr>
+        <p:txBody>
+          <a:bodyPr vert="horz" lIns="91440" tIns="45720" rIns="91440" bIns="45720" rtlCol="0"/>
+          <a:lstStyle>
+            <a:lvl1pPr algn="l">
+              <a:defRPr sz="1200"/>
+            </a:lvl1pPr>
+          </a:lstStyle>
+          <a:p>
+            <a:endParaRPr lang="zh-CN" altLang="en-US"/>
+          </a:p>
+        </p:txBody>
+      </p:sp>
+      <p:sp>
+        <p:nvSpPr>
+          <p:cNvPr id="3" name="日期占位符 2"/>
+          <p:cNvSpPr>
+            <a:spLocks noGrp="1"/>
+          </p:cNvSpPr>
+          <p:nvPr>
+            <p:ph type="dt" idx="1"/>
+          </p:nvPr>
+        </p:nvSpPr>
+        <p:spPr>
+          <a:xfrm>
+            <a:off x="3884613" y="0"/>
+            <a:ext cx="2971800" cy="458788"/>
+          </a:xfrm>
+          <a:prstGeom prst="rect">
+            <a:avLst/>
+          </a:prstGeom>
+        </p:spPr>
+        <p:txBody>
+          <a:bodyPr vert="horz" lIns="91440" tIns="45720" rIns="91440" bIns="45720" rtlCol="0"/>
+          <a:lstStyle>
+            <a:lvl1pPr algn="r">
+              <a:defRPr sz="1200"/>
+            </a:lvl1pPr>
+          </a:lstStyle>
+          <a:p>
+            <a:fld id="{D2A48B96-639E-45A3-A0BA-2464DFDB1FAA}" type="datetimeFigureOut">
+              <a:rPr lang="zh-CN" altLang="en-US" smtClean="0"/>
+            </a:fld>
+            <a:endParaRPr lang="zh-CN" altLang="en-US"/>
+          </a:p>
+        </p:txBody>
+      </p:sp>
+      <p:sp>
+        <p:nvSpPr>
+          <p:cNvPr id="4" name="幻灯片图像占位符 3"/>
+          <p:cNvSpPr>
+            <a:spLocks noGrp="1" noRot="1" noChangeAspect="1"/>
+          </p:cNvSpPr>
+          <p:nvPr>
+            <p:ph type="sldImg" idx="2"/>
+          </p:nvPr>
+        </p:nvSpPr>
+        <p:spPr>
+          <a:xfrm>
+            <a:off x="685800" y="1143000"/>
+            <a:ext cx="5486400" cy="3086100"/>
+          </a:xfrm>
+          <a:prstGeom prst="rect">
+            <a:avLst/>
+          </a:prstGeom>
+          <a:noFill/>
+          <a:ln w="12700">
+            <a:solidFill>
+              <a:prstClr val="black"/>
+            </a:solidFill>
+          </a:ln>
+        </p:spPr>
+        <p:txBody>
+          <a:bodyPr vert="horz" lIns="91440" tIns="45720" rIns="91440" bIns="45720" rtlCol="0" anchor="ctr"/>
+          <a:lstStyle/>
+          <a:p>
+            <a:endParaRPr lang="zh-CN" altLang="en-US"/>
+          </a:p>
+        </p:txBody>
+      </p:sp>
+      <p:sp>
+        <p:nvSpPr>
+          <p:cNvPr id="5" name="备注占位符 4"/>
+          <p:cNvSpPr>
+            <a:spLocks noGrp="1"/>
+          </p:cNvSpPr>
+          <p:nvPr>
+            <p:ph type="body" sz="quarter" idx="3"/>
+          </p:nvPr>
+        </p:nvSpPr>
+        <p:spPr>
+          <a:xfrm>
+            <a:off x="685800" y="4400550"/>
+            <a:ext cx="5486400" cy="3600450"/>
+          </a:xfrm>
+          <a:prstGeom prst="rect">
+            <a:avLst/>
+          </a:prstGeom>
+        </p:spPr>
+        <p:txBody>
+          <a:bodyPr vert="horz" lIns="91440" tIns="45720" rIns="91440" bIns="45720" rtlCol="0"/>
+          <a:lstStyle/>
+          <a:p>
+            <a:pPr lvl="0"/>
+            <a:r>
+              <a:rPr lang="zh-CN" altLang="en-US" smtClean="0"/>
+              <a:t>单击此处编辑母版文本样式</a:t>
+            </a:r>
+            <a:endParaRPr lang="zh-CN" altLang="en-US" smtClean="0"/>
+          </a:p>
+          <a:p>
+            <a:pPr lvl="1"/>
+            <a:r>
+              <a:rPr lang="zh-CN" altLang="en-US" smtClean="0"/>
+              <a:t>第二级</a:t>
+            </a:r>
+            <a:endParaRPr lang="zh-CN" altLang="en-US" smtClean="0"/>
+          </a:p>
+          <a:p>
+            <a:pPr lvl="2"/>
+            <a:r>
+              <a:rPr lang="zh-CN" altLang="en-US" smtClean="0"/>
+              <a:t>第三级</a:t>
+            </a:r>
+            <a:endParaRPr lang="zh-CN" altLang="en-US" smtClean="0"/>
+          </a:p>
+          <a:p>
+            <a:pPr lvl="3"/>
+            <a:r>
+              <a:rPr lang="zh-CN" altLang="en-US" smtClean="0"/>
+              <a:t>第四级</a:t>
+            </a:r>
+            <a:endParaRPr lang="zh-CN" altLang="en-US" smtClean="0"/>
+          </a:p>
+          <a:p>
+            <a:pPr lvl="4"/>
+            <a:r>
+              <a:rPr lang="zh-CN" altLang="en-US" smtClean="0"/>
+              <a:t>第五级</a:t>
+            </a:r>
+            <a:endParaRPr lang="zh-CN" altLang="en-US"/>
+          </a:p>
+        </p:txBody>
+      </p:sp>
+      <p:sp>
+        <p:nvSpPr>
+          <p:cNvPr id="6" name="页脚占位符 5"/>
+          <p:cNvSpPr>
+            <a:spLocks noGrp="1"/>
+          </p:cNvSpPr>
+          <p:nvPr>
+            <p:ph type="ftr" sz="quarter" idx="4"/>
+          </p:nvPr>
+        </p:nvSpPr>
+        <p:spPr>
+          <a:xfrm>
+            <a:off x="0" y="8685213"/>
+            <a:ext cx="2971800" cy="458787"/>
+          </a:xfrm>
+          <a:prstGeom prst="rect">
+            <a:avLst/>
+          </a:prstGeom>
+        </p:spPr>
+        <p:txBody>
+          <a:bodyPr vert="horz" lIns="91440" tIns="45720" rIns="91440" bIns="45720" rtlCol="0" anchor="b"/>
+          <a:lstStyle>
+            <a:lvl1pPr algn="l">
+              <a:defRPr sz="1200"/>
+            </a:lvl1pPr>
+          </a:lstStyle>
+          <a:p>
+            <a:endParaRPr lang="zh-CN" altLang="en-US"/>
+          </a:p>
+        </p:txBody>
+      </p:sp>
+      <p:sp>
+        <p:nvSpPr>
+          <p:cNvPr id="7" name="灯片编号占位符 6"/>
+          <p:cNvSpPr>
+            <a:spLocks noGrp="1"/>
+          </p:cNvSpPr>
+          <p:nvPr>
+            <p:ph type="sldNum" sz="quarter" idx="5"/>
+          </p:nvPr>
+        </p:nvSpPr>
+        <p:spPr>
+          <a:xfrm>
+            <a:off x="3884613" y="8685213"/>
+            <a:ext cx="2971800" cy="458787"/>
+          </a:xfrm>
+          <a:prstGeom prst="rect">
+            <a:avLst/>
+          </a:prstGeom>
+        </p:spPr>
+        <p:txBody>
+          <a:bodyPr vert="horz" lIns="91440" tIns="45720" rIns="91440" bIns="45720" rtlCol="0" anchor="b"/>
+          <a:lstStyle>
+            <a:lvl1pPr algn="r">
+              <a:defRPr sz="1200"/>
+            </a:lvl1pPr>
+          </a:lstStyle>
+          <a:p>
+            <a:fld id="{A6837353-30EB-4A48-80EB-173D804AEFBD}" type="slidenum">
+              <a:rPr lang="zh-CN" altLang="en-US" smtClean="0"/>
+            </a:fld>
+            <a:endParaRPr lang="zh-CN" altLang="en-US"/>
+          </a:p>
+        </p:txBody>
+      </p:sp>
+    </p:spTree>
+  </p:cSld>
+  <p:clrMap bg1="lt1" tx1="dk1" bg2="lt2" tx2="dk2" accent1="accent1" accent2="accent2" accent3="accent3" accent4="accent4" accent5="accent5" accent6="accent6" hlink="hlink" folHlink="folHlink"/>
+  <p:notesStyle>
+    <a:lvl1pPr marL="0" algn="l" defTabSz="914400" rtl="0" eaLnBrk="1" latinLnBrk="0" hangingPunct="1">
+      <a:defRPr sz="1200" kern="1200">
+        <a:solidFill>
+          <a:schemeClr val="tx1"/>
+        </a:solidFill>
+        <a:latin typeface="+mn-lt"/>
+        <a:ea typeface="+mn-ea"/>
+        <a:cs typeface="+mn-cs"/>
+      </a:defRPr>
+    </a:lvl1pPr>
+    <a:lvl2pPr marL="457200" algn="l" defTabSz="914400" rtl="0" eaLnBrk="1" latinLnBrk="0" hangingPunct="1">
+      <a:defRPr sz="1200" kern="1200">
+        <a:solidFill>
+          <a:schemeClr val="tx1"/>
+        </a:solidFill>
+        <a:latin typeface="+mn-lt"/>
+        <a:ea typeface="+mn-ea"/>
+        <a:cs typeface="+mn-cs"/>
+      </a:defRPr>
+    </a:lvl2pPr>
+    <a:lvl3pPr marL="914400" algn="l" defTabSz="914400" rtl="0" eaLnBrk="1" latinLnBrk="0" hangingPunct="1">
+      <a:defRPr sz="1200" kern="1200">
+        <a:solidFill>
+          <a:schemeClr val="tx1"/>
+        </a:solidFill>
+        <a:latin typeface="+mn-lt"/>
+        <a:ea typeface="+mn-ea"/>
+        <a:cs typeface="+mn-cs"/>
+      </a:defRPr>
+    </a:lvl3pPr>
+    <a:lvl4pPr marL="1371600" algn="l" defTabSz="914400" rtl="0" eaLnBrk="1" latinLnBrk="0" hangingPunct="1">
+      <a:defRPr sz="1200" kern="1200">
+        <a:solidFill>
+          <a:schemeClr val="tx1"/>
+        </a:solidFill>
+        <a:latin typeface="+mn-lt"/>
+        <a:ea typeface="+mn-ea"/>
+        <a:cs typeface="+mn-cs"/>
+      </a:defRPr>
+    </a:lvl4pPr>
+    <a:lvl5pPr marL="1828800" algn="l" defTabSz="914400" rtl="0" eaLnBrk="1" latinLnBrk="0" hangingPunct="1">
+      <a:defRPr sz="1200" kern="1200">
+        <a:solidFill>
+          <a:schemeClr val="tx1"/>
+        </a:solidFill>
+        <a:latin typeface="+mn-lt"/>
+        <a:ea typeface="+mn-ea"/>
+        <a:cs typeface="+mn-cs"/>
+      </a:defRPr>
+    </a:lvl5pPr>
+    <a:lvl6pPr marL="2286000" algn="l" defTabSz="914400" rtl="0" eaLnBrk="1" latinLnBrk="0" hangingPunct="1">
+      <a:defRPr sz="1200" kern="1200">
+        <a:solidFill>
+          <a:schemeClr val="tx1"/>
+        </a:solidFill>
+        <a:latin typeface="+mn-lt"/>
+        <a:ea typeface="+mn-ea"/>
+        <a:cs typeface="+mn-cs"/>
+      </a:defRPr>
+    </a:lvl6pPr>
+    <a:lvl7pPr marL="2743200" algn="l" defTabSz="914400" rtl="0" eaLnBrk="1" latinLnBrk="0" hangingPunct="1">
+      <a:defRPr sz="1200" kern="1200">
+        <a:solidFill>
+          <a:schemeClr val="tx1"/>
+        </a:solidFill>
+        <a:latin typeface="+mn-lt"/>
+        <a:ea typeface="+mn-ea"/>
+        <a:cs typeface="+mn-cs"/>
+      </a:defRPr>
+    </a:lvl7pPr>
+    <a:lvl8pPr marL="3200400" algn="l" defTabSz="914400" rtl="0" eaLnBrk="1" latinLnBrk="0" hangingPunct="1">
+      <a:defRPr sz="1200" kern="1200">
+        <a:solidFill>
+          <a:schemeClr val="tx1"/>
+        </a:solidFill>
+        <a:latin typeface="+mn-lt"/>
+        <a:ea typeface="+mn-ea"/>
+        <a:cs typeface="+mn-cs"/>
+      </a:defRPr>
+    </a:lvl8pPr>
+    <a:lvl9pPr marL="3657600" algn="l" defTabSz="914400" rtl="0" eaLnBrk="1" latinLnBrk="0" hangingPunct="1">
+      <a:defRPr sz="1200" kern="1200">
+        <a:solidFill>
+          <a:schemeClr val="tx1"/>
+        </a:solidFill>
+        <a:latin typeface="+mn-lt"/>
+        <a:ea typeface="+mn-ea"/>
+        <a:cs typeface="+mn-cs"/>
+      </a:defRPr>
+    </a:lvl9pPr>
+  </p:notesStyle>
+</p:notesMaster>
+</file>
+
+<file path=ppt/notesSlides/notesSlide1.xml><?xml version="1.0" encoding="utf-8"?>
+<p:notes xmlns:a="http://schemas.openxmlformats.org/drawingml/2006/main" xmlns:r="http://schemas.openxmlformats.org/officeDocument/2006/relationships" xmlns:p="http://schemas.openxmlformats.org/presentationml/2006/main">
+  <p:cSld>
+    <p:spTree>
+      <p:nvGrpSpPr>
+        <p:cNvPr id="1" name=""/>
+        <p:cNvGrpSpPr/>
+        <p:nvPr/>
+      </p:nvGrpSpPr>
+      <p:grpSpPr/>
+      <p:sp>
+        <p:nvSpPr>
+          <p:cNvPr id="2" name="幻灯片图像占位符 1"/>
+          <p:cNvSpPr/>
+          <p:nvPr>
+            <p:ph type="sldImg" idx="2"/>
+          </p:nvPr>
+        </p:nvSpPr>
+        <p:spPr/>
+      </p:sp>
+      <p:sp>
+        <p:nvSpPr>
+          <p:cNvPr id="3" name="文本占位符 2"/>
+          <p:cNvSpPr/>
+          <p:nvPr>
+            <p:ph type="body" idx="3"/>
+          </p:nvPr>
+        </p:nvSpPr>
+        <p:spPr/>
+        <p:txBody>
+          <a:bodyPr/>
+          <a:p>
+            <a:r>
+              <a:rPr lang="en-US" altLang="zh-CN">
+                <a:sym typeface="+mn-ea"/>
+              </a:rPr>
+              <a:t>1. </a:t>
+            </a:r>
+            <a:r>
+              <a:rPr lang="zh-CN" altLang="en-US">
+                <a:sym typeface="+mn-ea"/>
+              </a:rPr>
+              <a:t>对自己</a:t>
+            </a:r>
+            <a:endParaRPr lang="zh-CN" altLang="en-US"/>
+          </a:p>
+          <a:p>
+            <a:r>
+              <a:rPr lang="zh-CN" altLang="en-US">
+                <a:sym typeface="+mn-ea"/>
+              </a:rPr>
+              <a:t>总结</a:t>
+            </a:r>
+            <a:endParaRPr lang="zh-CN" altLang="en-US"/>
+          </a:p>
+          <a:p>
+            <a:r>
+              <a:rPr lang="zh-CN" altLang="en-US">
+                <a:sym typeface="+mn-ea"/>
+              </a:rPr>
+              <a:t>演讲</a:t>
+            </a:r>
+            <a:endParaRPr lang="zh-CN" altLang="en-US"/>
+          </a:p>
+          <a:p>
+            <a:endParaRPr lang="zh-CN" altLang="en-US"/>
+          </a:p>
+          <a:p>
+            <a:r>
+              <a:rPr lang="en-US" altLang="zh-CN">
+                <a:sym typeface="+mn-ea"/>
+              </a:rPr>
+              <a:t>2. </a:t>
+            </a:r>
+            <a:r>
+              <a:rPr lang="zh-CN" altLang="en-US">
+                <a:sym typeface="+mn-ea"/>
+              </a:rPr>
+              <a:t>对同事</a:t>
+            </a:r>
+            <a:endParaRPr lang="zh-CN" altLang="en-US"/>
+          </a:p>
+          <a:p>
+            <a:r>
+              <a:rPr lang="zh-CN" altLang="en-US">
+                <a:sym typeface="+mn-ea"/>
+              </a:rPr>
+              <a:t>交流</a:t>
+            </a:r>
+            <a:endParaRPr lang="zh-CN" altLang="en-US"/>
+          </a:p>
+          <a:p>
+            <a:r>
+              <a:rPr lang="zh-CN" altLang="en-US">
+                <a:sym typeface="+mn-ea"/>
+              </a:rPr>
+              <a:t>提升</a:t>
+            </a:r>
+            <a:endParaRPr lang="zh-CN" altLang="en-US"/>
+          </a:p>
+          <a:p>
+            <a:endParaRPr lang="zh-CN" altLang="en-US"/>
+          </a:p>
+        </p:txBody>
+      </p:sp>
+    </p:spTree>
+  </p:cSld>
+  <p:clrMapOvr>
+    <a:masterClrMapping/>
+  </p:clrMapOvr>
+</p:notes>
+</file>
+
+<file path=ppt/notesSlides/notesSlide2.xml><?xml version="1.0" encoding="utf-8"?>
+<p:notes xmlns:a="http://schemas.openxmlformats.org/drawingml/2006/main" xmlns:r="http://schemas.openxmlformats.org/officeDocument/2006/relationships" xmlns:p="http://schemas.openxmlformats.org/presentationml/2006/main">
+  <p:cSld>
+    <p:spTree>
+      <p:nvGrpSpPr>
+        <p:cNvPr id="1" name=""/>
+        <p:cNvGrpSpPr/>
+        <p:nvPr/>
+      </p:nvGrpSpPr>
+      <p:grpSpPr/>
+      <p:sp>
+        <p:nvSpPr>
+          <p:cNvPr id="2" name="幻灯片图像占位符 1"/>
+          <p:cNvSpPr/>
+          <p:nvPr>
+            <p:ph type="sldImg" idx="2"/>
+          </p:nvPr>
+        </p:nvSpPr>
+        <p:spPr/>
+      </p:sp>
+      <p:sp>
+        <p:nvSpPr>
+          <p:cNvPr id="3" name="文本占位符 2"/>
+          <p:cNvSpPr/>
+          <p:nvPr>
+            <p:ph type="body" idx="3"/>
+          </p:nvPr>
+        </p:nvSpPr>
+        <p:spPr/>
+        <p:txBody>
+          <a:bodyPr/>
+          <a:p>
+            <a:r>
+              <a:rPr lang="zh-CN" altLang="en-US">
+                <a:sym typeface="+mn-ea"/>
+              </a:rPr>
+              <a:t>把大象放进冰箱要分几步？ </a:t>
+            </a:r>
+            <a:endParaRPr lang="zh-CN" altLang="en-US">
+              <a:sym typeface="+mn-ea"/>
+            </a:endParaRPr>
+          </a:p>
+          <a:p>
+            <a:r>
+              <a:rPr lang="zh-CN" altLang="en-US">
+                <a:sym typeface="+mn-ea"/>
+              </a:rPr>
+              <a:t>礼品？</a:t>
+            </a:r>
+            <a:endParaRPr lang="zh-CN" altLang="en-US">
+              <a:sym typeface="+mn-ea"/>
+            </a:endParaRPr>
+          </a:p>
+          <a:p>
+            <a:endParaRPr lang="zh-CN" altLang="zh-CN"/>
+          </a:p>
+          <a:p>
+            <a:r>
+              <a:rPr lang="zh-CN" altLang="zh-CN"/>
+              <a:t>盲人摸象</a:t>
+            </a:r>
+            <a:endParaRPr lang="zh-CN" altLang="zh-CN"/>
+          </a:p>
+          <a:p>
+            <a:r>
+              <a:rPr lang="zh-CN" altLang="zh-CN"/>
+              <a:t>摸遍了大象的人是什么感受？如何给他治病</a:t>
+            </a:r>
+            <a:endParaRPr lang="zh-CN" altLang="zh-CN"/>
+          </a:p>
+          <a:p>
+            <a:endParaRPr lang="zh-CN" altLang="zh-CN"/>
+          </a:p>
+          <a:p>
+            <a:r>
+              <a:rPr lang="en-US" altLang="zh-CN">
+                <a:sym typeface="+mn-ea"/>
+              </a:rPr>
+              <a:t>- </a:t>
+            </a:r>
+            <a:r>
+              <a:rPr lang="zh-CN" altLang="en-US">
+                <a:sym typeface="+mn-ea"/>
+              </a:rPr>
+              <a:t>了解全貌 </a:t>
+            </a:r>
+            <a:r>
+              <a:rPr lang="en-US" altLang="zh-CN">
+                <a:sym typeface="+mn-ea"/>
+              </a:rPr>
+              <a:t>- </a:t>
+            </a:r>
+            <a:r>
+              <a:rPr lang="zh-CN" altLang="en-US">
+                <a:sym typeface="+mn-ea"/>
+              </a:rPr>
+              <a:t>腿？鼻子？身子？ </a:t>
+            </a:r>
+            <a:endParaRPr lang="zh-CN" altLang="en-US">
+              <a:sym typeface="+mn-ea"/>
+            </a:endParaRPr>
+          </a:p>
+          <a:p>
+            <a:r>
+              <a:rPr lang="en-US" altLang="zh-CN">
+                <a:sym typeface="+mn-ea"/>
+              </a:rPr>
+              <a:t>  - </a:t>
+            </a:r>
+            <a:r>
+              <a:rPr lang="zh-CN" altLang="en-US">
+                <a:sym typeface="+mn-ea"/>
+              </a:rPr>
+              <a:t>看的见的？</a:t>
+            </a:r>
+            <a:endParaRPr lang="zh-CN" altLang="en-US">
+              <a:sym typeface="+mn-ea"/>
+            </a:endParaRPr>
+          </a:p>
+          <a:p>
+            <a:r>
+              <a:rPr lang="en-US" altLang="zh-CN">
+                <a:sym typeface="+mn-ea"/>
+              </a:rPr>
+              <a:t>  - </a:t>
+            </a:r>
+            <a:r>
+              <a:rPr lang="zh-CN" altLang="en-US">
+                <a:sym typeface="+mn-ea"/>
+              </a:rPr>
+              <a:t>看不见的？运行环境</a:t>
+            </a:r>
+            <a:endParaRPr lang="zh-CN" altLang="en-US">
+              <a:sym typeface="+mn-ea"/>
+            </a:endParaRPr>
+          </a:p>
+          <a:p>
+            <a:endParaRPr lang="zh-CN" altLang="en-US">
+              <a:sym typeface="+mn-ea"/>
+            </a:endParaRPr>
+          </a:p>
+          <a:p>
+            <a:r>
+              <a:rPr lang="en-US" altLang="zh-CN"/>
+              <a:t>- </a:t>
+            </a:r>
+            <a:r>
+              <a:rPr lang="zh-CN" altLang="zh-CN"/>
+              <a:t>快速了解某一部位</a:t>
+            </a:r>
+            <a:endParaRPr lang="zh-CN" altLang="zh-CN"/>
+          </a:p>
+          <a:p>
+            <a:r>
+              <a:rPr lang="en-US" altLang="zh-CN"/>
+              <a:t>  - </a:t>
+            </a:r>
+            <a:r>
+              <a:rPr lang="zh-CN" altLang="en-US"/>
+              <a:t>屏蔽干扰</a:t>
+            </a:r>
+            <a:endParaRPr lang="zh-CN" altLang="en-US"/>
+          </a:p>
+          <a:p>
+            <a:r>
+              <a:rPr lang="en-US" altLang="zh-CN"/>
+              <a:t>  - </a:t>
+            </a:r>
+            <a:r>
+              <a:rPr lang="zh-CN" altLang="en-US"/>
+              <a:t>了解细节</a:t>
+            </a:r>
+            <a:endParaRPr lang="zh-CN" altLang="en-US"/>
+          </a:p>
+          <a:p>
+            <a:r>
+              <a:rPr lang="zh-CN" altLang="en-US"/>
+              <a:t>  </a:t>
+            </a:r>
+            <a:r>
+              <a:rPr lang="en-US" altLang="zh-CN"/>
+              <a:t>- </a:t>
+            </a:r>
+            <a:r>
+              <a:rPr lang="zh-CN" altLang="en-US"/>
+              <a:t>提高</a:t>
+            </a:r>
+            <a:r>
+              <a:rPr lang="zh-CN" altLang="en-US"/>
+              <a:t>推衍效率</a:t>
+            </a:r>
+            <a:endParaRPr lang="zh-CN" altLang="en-US"/>
+          </a:p>
+          <a:p>
+            <a:r>
+              <a:rPr lang="zh-CN" altLang="en-US"/>
+              <a:t>  </a:t>
+            </a:r>
+            <a:r>
+              <a:rPr lang="en-US" altLang="zh-CN"/>
+              <a:t>- </a:t>
+            </a:r>
+            <a:r>
+              <a:rPr lang="zh-CN" altLang="en-US"/>
+              <a:t>谷歌的电脑为什么能战胜职业</a:t>
+            </a:r>
+            <a:r>
+              <a:rPr lang="zh-CN" altLang="en-US"/>
+              <a:t>棋手？</a:t>
+            </a:r>
+            <a:endParaRPr lang="zh-CN" altLang="en-US"/>
+          </a:p>
+          <a:p>
+            <a:endParaRPr lang="en-US" altLang="zh-CN"/>
+          </a:p>
+          <a:p>
+            <a:r>
+              <a:rPr lang="en-US" altLang="zh-CN"/>
+              <a:t>- </a:t>
+            </a:r>
+            <a:r>
+              <a:rPr lang="zh-CN" altLang="en-US"/>
+              <a:t>确定问题在哪个部位</a:t>
+            </a:r>
+            <a:endParaRPr lang="zh-CN" altLang="en-US"/>
+          </a:p>
+          <a:p>
+            <a:r>
+              <a:rPr lang="en-US" altLang="zh-CN"/>
+              <a:t>- </a:t>
+            </a:r>
+            <a:r>
+              <a:rPr lang="zh-CN" altLang="en-US"/>
+              <a:t>特殊问题</a:t>
+            </a:r>
+            <a:endParaRPr lang="zh-CN" altLang="en-US"/>
+          </a:p>
+        </p:txBody>
+      </p:sp>
+    </p:spTree>
+  </p:cSld>
+  <p:clrMapOvr>
+    <a:masterClrMapping/>
+  </p:clrMapOvr>
+</p:notes>
+</file>
+
+<file path=ppt/notesSlides/notesSlide3.xml><?xml version="1.0" encoding="utf-8"?>
+<p:notes xmlns:a="http://schemas.openxmlformats.org/drawingml/2006/main" xmlns:r="http://schemas.openxmlformats.org/officeDocument/2006/relationships" xmlns:p="http://schemas.openxmlformats.org/presentationml/2006/main">
+  <p:cSld>
+    <p:spTree>
+      <p:nvGrpSpPr>
+        <p:cNvPr id="1" name=""/>
+        <p:cNvGrpSpPr/>
+        <p:nvPr/>
+      </p:nvGrpSpPr>
+      <p:grpSpPr/>
+      <p:sp>
+        <p:nvSpPr>
+          <p:cNvPr id="2" name="幻灯片图像占位符 1"/>
+          <p:cNvSpPr/>
+          <p:nvPr>
+            <p:ph type="sldImg" idx="2"/>
+          </p:nvPr>
+        </p:nvSpPr>
+        <p:spPr/>
+      </p:sp>
+      <p:sp>
+        <p:nvSpPr>
+          <p:cNvPr id="3" name="文本占位符 2"/>
+          <p:cNvSpPr/>
+          <p:nvPr>
+            <p:ph type="body" idx="3"/>
+          </p:nvPr>
+        </p:nvSpPr>
+        <p:spPr/>
+        <p:txBody>
+          <a:bodyPr/>
+          <a:p>
+            <a:endParaRPr lang="zh-CN" altLang="en-US"/>
+          </a:p>
+        </p:txBody>
+      </p:sp>
+    </p:spTree>
+  </p:cSld>
+  <p:clrMapOvr>
+    <a:masterClrMapping/>
+  </p:clrMapOvr>
+</p:notes>
+</file>
+
+<file path=ppt/notesSlides/notesSlide4.xml><?xml version="1.0" encoding="utf-8"?>
+<p:notes xmlns:a="http://schemas.openxmlformats.org/drawingml/2006/main" xmlns:r="http://schemas.openxmlformats.org/officeDocument/2006/relationships" xmlns:p="http://schemas.openxmlformats.org/presentationml/2006/main">
+  <p:cSld>
+    <p:spTree>
+      <p:nvGrpSpPr>
+        <p:cNvPr id="1" name=""/>
+        <p:cNvGrpSpPr/>
+        <p:nvPr/>
+      </p:nvGrpSpPr>
+      <p:grpSpPr/>
+      <p:sp>
+        <p:nvSpPr>
+          <p:cNvPr id="2" name="幻灯片图像占位符 1"/>
+          <p:cNvSpPr/>
+          <p:nvPr>
+            <p:ph type="sldImg" idx="2"/>
+          </p:nvPr>
+        </p:nvSpPr>
+        <p:spPr/>
+      </p:sp>
+      <p:sp>
+        <p:nvSpPr>
+          <p:cNvPr id="3" name="文本占位符 2"/>
+          <p:cNvSpPr/>
+          <p:nvPr>
+            <p:ph type="body" idx="3"/>
+          </p:nvPr>
+        </p:nvSpPr>
+        <p:spPr/>
+        <p:txBody>
+          <a:bodyPr/>
+          <a:p>
+            <a:r>
+              <a:rPr lang="en-US" altLang="zh-CN"/>
+              <a:t>- </a:t>
+            </a:r>
+            <a:r>
+              <a:rPr lang="zh-CN" altLang="zh-CN"/>
+              <a:t>架构类型</a:t>
+            </a:r>
+            <a:r>
+              <a:rPr lang="zh-CN" altLang="zh-CN"/>
+              <a:t>？ </a:t>
+            </a:r>
+            <a:r>
+              <a:rPr lang="en-US" altLang="zh-CN"/>
+              <a:t>B / S</a:t>
+            </a:r>
+            <a:endParaRPr lang="en-US" altLang="zh-CN"/>
+          </a:p>
+          <a:p>
+            <a:endParaRPr lang="en-US" altLang="zh-CN"/>
+          </a:p>
+          <a:p>
+            <a:r>
+              <a:rPr lang="en-US" altLang="zh-CN"/>
+              <a:t>- B </a:t>
+            </a:r>
+            <a:r>
+              <a:rPr lang="zh-CN" altLang="zh-CN"/>
+              <a:t>前 </a:t>
+            </a:r>
+            <a:r>
+              <a:rPr lang="en-US" altLang="zh-CN"/>
+              <a:t>/ </a:t>
+            </a:r>
+            <a:r>
+              <a:rPr lang="zh-CN" altLang="en-US"/>
+              <a:t>后 </a:t>
+            </a:r>
+            <a:r>
+              <a:rPr lang="en-US" altLang="zh-CN"/>
+              <a:t>/ </a:t>
+            </a:r>
+            <a:r>
+              <a:rPr lang="zh-CN" altLang="en-US"/>
+              <a:t>存储</a:t>
+            </a:r>
+            <a:endParaRPr lang="zh-CN" altLang="en-US"/>
+          </a:p>
+          <a:p>
+            <a:endParaRPr lang="zh-CN" altLang="en-US"/>
+          </a:p>
+          <a:p>
+            <a:r>
+              <a:rPr lang="en-US" altLang="zh-CN">
+                <a:sym typeface="+mn-ea"/>
+              </a:rPr>
+              <a:t>- </a:t>
+            </a:r>
+            <a:r>
+              <a:rPr lang="en-US" altLang="zh-CN"/>
+              <a:t>S </a:t>
+            </a:r>
+            <a:r>
+              <a:rPr lang="zh-CN" altLang="en-US"/>
+              <a:t>前 </a:t>
+            </a:r>
+            <a:r>
+              <a:rPr lang="en-US" altLang="zh-CN"/>
+              <a:t>/ </a:t>
+            </a:r>
+            <a:r>
+              <a:rPr lang="zh-CN" altLang="en-US"/>
+              <a:t>后 </a:t>
+            </a:r>
+            <a:r>
+              <a:rPr lang="en-US" altLang="zh-CN"/>
+              <a:t>/ </a:t>
+            </a:r>
+            <a:r>
+              <a:rPr lang="zh-CN" altLang="en-US">
+                <a:sym typeface="+mn-ea"/>
+              </a:rPr>
+              <a:t>存储</a:t>
+            </a:r>
+            <a:endParaRPr lang="zh-CN" altLang="en-US"/>
+          </a:p>
+          <a:p>
+            <a:endParaRPr lang="zh-CN" altLang="en-US"/>
+          </a:p>
+          <a:p>
+            <a:r>
+              <a:rPr lang="en-US" altLang="zh-CN">
+                <a:sym typeface="+mn-ea"/>
+              </a:rPr>
+              <a:t>- </a:t>
+            </a:r>
+            <a:r>
+              <a:rPr lang="zh-CN" altLang="en-US"/>
+              <a:t>接口的实现</a:t>
+            </a:r>
+            <a:endParaRPr lang="zh-CN" altLang="en-US"/>
+          </a:p>
+          <a:p>
+            <a:endParaRPr lang="en-US" altLang="zh-CN"/>
+          </a:p>
+          <a:p>
+            <a:r>
+              <a:rPr lang="en-US" altLang="zh-CN"/>
+              <a:t>- CI</a:t>
+            </a:r>
+            <a:endParaRPr lang="en-US" altLang="zh-CN"/>
+          </a:p>
+          <a:p>
+            <a:r>
+              <a:rPr lang="en-US" altLang="zh-CN"/>
+              <a:t>  - </a:t>
+            </a:r>
+            <a:r>
+              <a:rPr lang="zh-CN" altLang="en-US"/>
+              <a:t>有不知道这个概念的么？有知道这个概念的么？</a:t>
+            </a:r>
+            <a:endParaRPr lang="zh-CN" altLang="en-US"/>
+          </a:p>
+          <a:p>
+            <a:r>
+              <a:rPr lang="en-US" altLang="zh-CN"/>
+              <a:t>   - </a:t>
+            </a:r>
+            <a:r>
+              <a:rPr lang="zh-CN" altLang="en-US"/>
+              <a:t>礼品</a:t>
+            </a:r>
+            <a:endParaRPr lang="zh-CN" altLang="en-US"/>
+          </a:p>
+          <a:p>
+            <a:endParaRPr lang="zh-CN" altLang="en-US"/>
+          </a:p>
+          <a:p>
+            <a:r>
+              <a:rPr lang="en-US" altLang="zh-CN"/>
+              <a:t>持续集成指的是，频繁地（一天多次）将代码集成到主干</a:t>
+            </a:r>
+            <a:endParaRPr lang="en-US" altLang="zh-CN"/>
+          </a:p>
+          <a:p>
+            <a:r>
+              <a:rPr lang="en-US" altLang="zh-CN"/>
+              <a:t>http://www.ruanyifeng.com/blog/2015/09/continuous-integration.html</a:t>
+            </a:r>
+            <a:endParaRPr lang="en-US" altLang="zh-CN"/>
+          </a:p>
+          <a:p>
+            <a:endParaRPr lang="en-US" altLang="zh-CN"/>
+          </a:p>
+          <a:p>
+            <a:r>
+              <a:rPr lang="en-US" altLang="zh-CN"/>
+              <a:t>grunt</a:t>
+            </a:r>
+            <a:r>
+              <a:rPr lang="zh-CN" altLang="en-US"/>
+              <a:t>，</a:t>
+            </a:r>
+            <a:r>
+              <a:rPr lang="en-US" altLang="zh-CN"/>
+              <a:t>team city</a:t>
+            </a:r>
+            <a:endParaRPr lang="en-US" altLang="zh-CN"/>
+          </a:p>
+          <a:p>
+            <a:endParaRPr lang="en-US" altLang="zh-CN"/>
+          </a:p>
+        </p:txBody>
+      </p:sp>
+    </p:spTree>
+  </p:cSld>
+  <p:clrMapOvr>
+    <a:masterClrMapping/>
+  </p:clrMapOvr>
+</p:notes>
+</file>
+
+<file path=ppt/notesSlides/notesSlide5.xml><?xml version="1.0" encoding="utf-8"?>
+<p:notes xmlns:a="http://schemas.openxmlformats.org/drawingml/2006/main" xmlns:r="http://schemas.openxmlformats.org/officeDocument/2006/relationships" xmlns:p="http://schemas.openxmlformats.org/presentationml/2006/main">
+  <p:cSld>
+    <p:spTree>
+      <p:nvGrpSpPr>
+        <p:cNvPr id="1" name=""/>
+        <p:cNvGrpSpPr/>
+        <p:nvPr/>
+      </p:nvGrpSpPr>
+      <p:grpSpPr/>
+      <p:sp>
+        <p:nvSpPr>
+          <p:cNvPr id="2" name="幻灯片图像占位符 1"/>
+          <p:cNvSpPr/>
+          <p:nvPr>
+            <p:ph type="sldImg" idx="2"/>
+          </p:nvPr>
+        </p:nvSpPr>
+        <p:spPr/>
+      </p:sp>
+      <p:sp>
+        <p:nvSpPr>
+          <p:cNvPr id="3" name="文本占位符 2"/>
+          <p:cNvSpPr/>
+          <p:nvPr>
+            <p:ph type="body" idx="3"/>
+          </p:nvPr>
+        </p:nvSpPr>
+        <p:spPr/>
+        <p:txBody>
+          <a:bodyPr/>
+          <a:p>
+            <a:endParaRPr lang="zh-CN" altLang="en-US"/>
+          </a:p>
+        </p:txBody>
+      </p:sp>
+    </p:spTree>
+  </p:cSld>
+  <p:clrMapOvr>
+    <a:masterClrMapping/>
+  </p:clrMapOvr>
+</p:notes>
+</file>
+
+<file path=ppt/notesSlides/notesSlide6.xml><?xml version="1.0" encoding="utf-8"?>
+<p:notes xmlns:a="http://schemas.openxmlformats.org/drawingml/2006/main" xmlns:r="http://schemas.openxmlformats.org/officeDocument/2006/relationships" xmlns:p="http://schemas.openxmlformats.org/presentationml/2006/main">
+  <p:cSld>
+    <p:spTree>
+      <p:nvGrpSpPr>
+        <p:cNvPr id="1" name=""/>
+        <p:cNvGrpSpPr/>
+        <p:nvPr/>
+      </p:nvGrpSpPr>
+      <p:grpSpPr/>
+      <p:sp>
+        <p:nvSpPr>
+          <p:cNvPr id="2" name="幻灯片图像占位符 1"/>
+          <p:cNvSpPr/>
+          <p:nvPr>
+            <p:ph type="sldImg" idx="2"/>
+          </p:nvPr>
+        </p:nvSpPr>
+        <p:spPr/>
+      </p:sp>
+      <p:sp>
+        <p:nvSpPr>
+          <p:cNvPr id="3" name="文本占位符 2"/>
+          <p:cNvSpPr/>
+          <p:nvPr>
+            <p:ph type="body" idx="3"/>
+          </p:nvPr>
+        </p:nvSpPr>
+        <p:spPr/>
+        <p:txBody>
+          <a:bodyPr/>
+          <a:p>
+            <a:endParaRPr lang="zh-CN" altLang="en-US"/>
+          </a:p>
+          <a:p>
+            <a:endParaRPr lang="zh-CN" altLang="en-US"/>
+          </a:p>
+        </p:txBody>
+      </p:sp>
+    </p:spTree>
+  </p:cSld>
+  <p:clrMapOvr>
+    <a:masterClrMapping/>
+  </p:clrMapOvr>
+</p:notes>
+</file>
+
+<file path=ppt/notesSlides/notesSlide7.xml><?xml version="1.0" encoding="utf-8"?>
+<p:notes xmlns:a="http://schemas.openxmlformats.org/drawingml/2006/main" xmlns:r="http://schemas.openxmlformats.org/officeDocument/2006/relationships" xmlns:p="http://schemas.openxmlformats.org/presentationml/2006/main">
+  <p:cSld>
+    <p:spTree>
+      <p:nvGrpSpPr>
+        <p:cNvPr id="1" name=""/>
+        <p:cNvGrpSpPr/>
+        <p:nvPr/>
+      </p:nvGrpSpPr>
+      <p:grpSpPr/>
+      <p:sp>
+        <p:nvSpPr>
+          <p:cNvPr id="2" name="幻灯片图像占位符 1"/>
+          <p:cNvSpPr/>
+          <p:nvPr>
+            <p:ph type="sldImg" idx="2"/>
+          </p:nvPr>
+        </p:nvSpPr>
+        <p:spPr/>
+      </p:sp>
+      <p:sp>
+        <p:nvSpPr>
+          <p:cNvPr id="3" name="文本占位符 2"/>
+          <p:cNvSpPr/>
+          <p:nvPr>
+            <p:ph type="body" idx="3"/>
+          </p:nvPr>
+        </p:nvSpPr>
+        <p:spPr/>
+        <p:txBody>
+          <a:bodyPr/>
+          <a:p>
+            <a:r>
+              <a:rPr lang="en-US" altLang="zh-CN">
+                <a:sym typeface="+mn-ea"/>
+              </a:rPr>
+              <a:t>- </a:t>
+            </a:r>
+            <a:r>
+              <a:rPr lang="zh-CN" altLang="zh-CN">
+                <a:sym typeface="+mn-ea"/>
+              </a:rPr>
+              <a:t>构建迭代环境就是在不同环境下，利用相应工具进行相应迭代</a:t>
+            </a:r>
+            <a:endParaRPr lang="zh-CN" altLang="zh-CN">
+              <a:sym typeface="+mn-ea"/>
+            </a:endParaRPr>
+          </a:p>
+          <a:p>
+            <a:r>
+              <a:rPr lang="en-US" altLang="zh-CN">
+                <a:sym typeface="+mn-ea"/>
+              </a:rPr>
+              <a:t>- </a:t>
+            </a:r>
+            <a:r>
+              <a:rPr lang="zh-CN" altLang="zh-CN">
+                <a:sym typeface="+mn-ea"/>
+              </a:rPr>
+              <a:t>内部 </a:t>
+            </a:r>
+            <a:r>
+              <a:rPr lang="en-US" altLang="zh-CN">
+                <a:sym typeface="+mn-ea"/>
+              </a:rPr>
+              <a:t>/ </a:t>
+            </a:r>
+            <a:r>
+              <a:rPr lang="zh-CN" altLang="en-US">
+                <a:sym typeface="+mn-ea"/>
+              </a:rPr>
+              <a:t>外部</a:t>
+            </a:r>
+            <a:endParaRPr lang="zh-CN" altLang="en-US">
+              <a:sym typeface="+mn-ea"/>
+            </a:endParaRPr>
+          </a:p>
+          <a:p>
+            <a:endParaRPr lang="zh-CN" altLang="en-US">
+              <a:sym typeface="+mn-ea"/>
+            </a:endParaRPr>
+          </a:p>
+          <a:p>
+            <a:r>
+              <a:rPr lang="zh-CN" altLang="en-US">
+                <a:sym typeface="+mn-ea"/>
+              </a:rPr>
+              <a:t>- chrome</a:t>
+            </a:r>
+            <a:endParaRPr lang="zh-CN" altLang="en-US">
+              <a:sym typeface="+mn-ea"/>
+            </a:endParaRPr>
+          </a:p>
+          <a:p>
+            <a:r>
+              <a:rPr lang="zh-CN" altLang="en-US">
+                <a:sym typeface="+mn-ea"/>
+              </a:rPr>
+              <a:t>	- elementes</a:t>
+            </a:r>
+            <a:endParaRPr lang="zh-CN" altLang="en-US">
+              <a:sym typeface="+mn-ea"/>
+            </a:endParaRPr>
+          </a:p>
+          <a:p>
+            <a:r>
+              <a:rPr lang="zh-CN" altLang="en-US">
+                <a:sym typeface="+mn-ea"/>
+              </a:rPr>
+              <a:t>		- css (2 filters)</a:t>
+            </a:r>
+            <a:endParaRPr lang="zh-CN" altLang="en-US">
+              <a:sym typeface="+mn-ea"/>
+            </a:endParaRPr>
+          </a:p>
+          <a:p>
+            <a:r>
+              <a:rPr lang="zh-CN" altLang="en-US">
+                <a:sym typeface="+mn-ea"/>
+              </a:rPr>
+              <a:t>		- dom</a:t>
+            </a:r>
+            <a:endParaRPr lang="zh-CN" altLang="en-US">
+              <a:sym typeface="+mn-ea"/>
+            </a:endParaRPr>
+          </a:p>
+          <a:p>
+            <a:r>
+              <a:rPr lang="zh-CN" altLang="en-US">
+                <a:sym typeface="+mn-ea"/>
+              </a:rPr>
+              <a:t>		- event listner / dom break point</a:t>
+            </a:r>
+            <a:endParaRPr lang="zh-CN" altLang="en-US">
+              <a:sym typeface="+mn-ea"/>
+            </a:endParaRPr>
+          </a:p>
+          <a:p>
+            <a:r>
+              <a:rPr lang="zh-CN" altLang="en-US">
+                <a:sym typeface="+mn-ea"/>
+              </a:rPr>
+              <a:t>		- responsive</a:t>
+            </a:r>
+            <a:endParaRPr lang="zh-CN" altLang="en-US">
+              <a:sym typeface="+mn-ea"/>
+            </a:endParaRPr>
+          </a:p>
+          <a:p>
+            <a:r>
+              <a:rPr lang="zh-CN" altLang="en-US">
+                <a:sym typeface="+mn-ea"/>
+              </a:rPr>
+              <a:t>	- console</a:t>
+            </a:r>
+            <a:endParaRPr lang="zh-CN" altLang="en-US">
+              <a:sym typeface="+mn-ea"/>
+            </a:endParaRPr>
+          </a:p>
+          <a:p>
+            <a:r>
+              <a:rPr lang="zh-CN" altLang="en-US">
+                <a:sym typeface="+mn-ea"/>
+              </a:rPr>
+              <a:t>		- profiler</a:t>
+            </a:r>
+            <a:endParaRPr lang="zh-CN" altLang="en-US">
+              <a:sym typeface="+mn-ea"/>
+            </a:endParaRPr>
+          </a:p>
+          <a:p>
+            <a:r>
+              <a:rPr lang="zh-CN" altLang="en-US">
+                <a:sym typeface="+mn-ea"/>
+              </a:rPr>
+              <a:t>		- log request</a:t>
+            </a:r>
+            <a:endParaRPr lang="zh-CN" altLang="en-US">
+              <a:sym typeface="+mn-ea"/>
+            </a:endParaRPr>
+          </a:p>
+          <a:p>
+            <a:r>
+              <a:rPr lang="zh-CN" altLang="en-US">
+                <a:sym typeface="+mn-ea"/>
+              </a:rPr>
+              <a:t>	- source</a:t>
+            </a:r>
+            <a:endParaRPr lang="zh-CN" altLang="en-US">
+              <a:sym typeface="+mn-ea"/>
+            </a:endParaRPr>
+          </a:p>
+          <a:p>
+            <a:r>
+              <a:rPr lang="zh-CN" altLang="en-US">
+                <a:sym typeface="+mn-ea"/>
+              </a:rPr>
+              <a:t>		- pause on exception (first exception?)</a:t>
+            </a:r>
+            <a:endParaRPr lang="zh-CN" altLang="en-US">
+              <a:sym typeface="+mn-ea"/>
+            </a:endParaRPr>
+          </a:p>
+          <a:p>
+            <a:r>
+              <a:rPr lang="zh-CN" altLang="en-US">
+                <a:sym typeface="+mn-ea"/>
+              </a:rPr>
+              <a:t>		- black box</a:t>
+            </a:r>
+            <a:endParaRPr lang="zh-CN" altLang="en-US">
+              <a:sym typeface="+mn-ea"/>
+            </a:endParaRPr>
+          </a:p>
+          <a:p>
+            <a:r>
+              <a:rPr lang="zh-CN" altLang="en-US">
+                <a:sym typeface="+mn-ea"/>
+              </a:rPr>
+              <a:t>		- format</a:t>
+            </a:r>
+            <a:endParaRPr lang="zh-CN" altLang="en-US">
+              <a:sym typeface="+mn-ea"/>
+            </a:endParaRPr>
+          </a:p>
+          <a:p>
+            <a:r>
+              <a:rPr lang="zh-CN" altLang="en-US">
+                <a:sym typeface="+mn-ea"/>
+              </a:rPr>
+              <a:t>		- edit</a:t>
+            </a:r>
+            <a:endParaRPr lang="zh-CN" altLang="en-US">
+              <a:sym typeface="+mn-ea"/>
+            </a:endParaRPr>
+          </a:p>
+          <a:p>
+            <a:r>
+              <a:rPr lang="zh-CN" altLang="en-US">
+                <a:sym typeface="+mn-ea"/>
+              </a:rPr>
+              <a:t>		- mapping project???????</a:t>
+            </a:r>
+            <a:endParaRPr lang="zh-CN" altLang="en-US">
+              <a:sym typeface="+mn-ea"/>
+            </a:endParaRPr>
+          </a:p>
+          <a:p>
+            <a:r>
+              <a:rPr lang="zh-CN" altLang="en-US">
+                <a:sym typeface="+mn-ea"/>
+              </a:rPr>
+              <a:t>	- network</a:t>
+            </a:r>
+            <a:endParaRPr lang="zh-CN" altLang="en-US">
+              <a:sym typeface="+mn-ea"/>
+            </a:endParaRPr>
+          </a:p>
+          <a:p>
+            <a:r>
+              <a:rPr lang="zh-CN" altLang="en-US">
+                <a:sym typeface="+mn-ea"/>
+              </a:rPr>
+              <a:t>		- bottle neck</a:t>
+            </a:r>
+            <a:endParaRPr lang="zh-CN" altLang="en-US">
+              <a:sym typeface="+mn-ea"/>
+            </a:endParaRPr>
+          </a:p>
+          <a:p>
+            <a:r>
+              <a:rPr lang="zh-CN" altLang="en-US">
+                <a:sym typeface="+mn-ea"/>
+              </a:rPr>
+              <a:t>	- source-map</a:t>
+            </a:r>
+            <a:endParaRPr lang="zh-CN" altLang="en-US">
+              <a:sym typeface="+mn-ea"/>
+            </a:endParaRPr>
+          </a:p>
+          <a:p>
+            <a:r>
+              <a:rPr lang="zh-CN" altLang="en-US">
+                <a:sym typeface="+mn-ea"/>
+              </a:rPr>
+              <a:t>		- [原理](http://www.ruanyifeng.com/blog/2013/01/javascript_source_map.html)</a:t>
+            </a:r>
+            <a:endParaRPr lang="zh-CN" altLang="en-US">
+              <a:sym typeface="+mn-ea"/>
+            </a:endParaRPr>
+          </a:p>
+          <a:p>
+            <a:r>
+              <a:rPr lang="zh-CN" altLang="en-US">
+                <a:sym typeface="+mn-ea"/>
+              </a:rPr>
+              <a:t>	- resources</a:t>
+            </a:r>
+            <a:endParaRPr lang="zh-CN" altLang="en-US">
+              <a:sym typeface="+mn-ea"/>
+            </a:endParaRPr>
+          </a:p>
+          <a:p>
+            <a:r>
+              <a:rPr lang="zh-CN" altLang="en-US">
+                <a:sym typeface="+mn-ea"/>
+              </a:rPr>
+              <a:t>	- others</a:t>
+            </a:r>
+            <a:endParaRPr lang="zh-CN" altLang="en-US">
+              <a:sym typeface="+mn-ea"/>
+            </a:endParaRPr>
+          </a:p>
+          <a:p>
+            <a:r>
+              <a:rPr lang="zh-CN" altLang="en-US">
+                <a:sym typeface="+mn-ea"/>
+              </a:rPr>
+              <a:t>- .net</a:t>
+            </a:r>
+            <a:endParaRPr lang="zh-CN" altLang="en-US"/>
+          </a:p>
+          <a:p>
+            <a:r>
+              <a:rPr lang="zh-CN" altLang="en-US">
+                <a:sym typeface="+mn-ea"/>
+              </a:rPr>
+              <a:t>    - postman</a:t>
+            </a:r>
+            <a:r>
+              <a:rPr lang="en-US" altLang="zh-CN">
+                <a:sym typeface="+mn-ea"/>
+              </a:rPr>
+              <a:t>+webapi</a:t>
+            </a:r>
+            <a:endParaRPr lang="en-US" altLang="zh-CN"/>
+          </a:p>
+          <a:p>
+            <a:r>
+              <a:rPr lang="zh-CN" altLang="en-US">
+                <a:sym typeface="+mn-ea"/>
+              </a:rPr>
+              <a:t>    - apiUtility64</a:t>
+            </a:r>
+            <a:endParaRPr lang="zh-CN" altLang="en-US"/>
+          </a:p>
+          <a:p>
+            <a:r>
+              <a:rPr lang="zh-CN" altLang="en-US">
+                <a:sym typeface="+mn-ea"/>
+              </a:rPr>
+              <a:t>   - v</a:t>
+            </a:r>
+            <a:r>
+              <a:rPr lang="en-US" altLang="en-US">
+                <a:sym typeface="+mn-ea"/>
+              </a:rPr>
+              <a:t>isual studio</a:t>
+            </a:r>
+            <a:endParaRPr lang="en-US" altLang="en-US"/>
+          </a:p>
+          <a:p>
+            <a:r>
+              <a:rPr lang="zh-CN" altLang="en-US">
+                <a:sym typeface="+mn-ea"/>
+              </a:rPr>
+              <a:t>- v</a:t>
+            </a:r>
+            <a:r>
+              <a:rPr lang="en-US" altLang="en-US">
+                <a:sym typeface="+mn-ea"/>
+              </a:rPr>
+              <a:t>isual studio</a:t>
+            </a:r>
+            <a:endParaRPr lang="en-US" altLang="en-US"/>
+          </a:p>
+          <a:p>
+            <a:r>
+              <a:rPr lang="zh-CN" altLang="en-US">
+                <a:sym typeface="+mn-ea"/>
+              </a:rPr>
+              <a:t>    - first throw exception </a:t>
+            </a:r>
+            <a:endParaRPr lang="zh-CN" altLang="en-US"/>
+          </a:p>
+          <a:p>
+            <a:r>
+              <a:rPr lang="zh-CN" altLang="en-US">
+                <a:sym typeface="+mn-ea"/>
+              </a:rPr>
+              <a:t>    - 多线程调试</a:t>
+            </a:r>
+            <a:endParaRPr lang="zh-CN" altLang="en-US">
+              <a:sym typeface="+mn-ea"/>
+            </a:endParaRPr>
+          </a:p>
+          <a:p>
+            <a:endParaRPr lang="zh-CN" altLang="en-US"/>
+          </a:p>
+          <a:p>
+            <a:r>
+              <a:rPr lang="zh-CN" altLang="en-US">
+                <a:sym typeface="+mn-ea"/>
+              </a:rPr>
+              <a:t>- windbug</a:t>
+            </a:r>
+            <a:endParaRPr lang="zh-CN" altLang="en-US">
+              <a:sym typeface="+mn-ea"/>
+            </a:endParaRPr>
+          </a:p>
+          <a:p>
+            <a:endParaRPr lang="zh-CN" altLang="en-US"/>
+          </a:p>
+          <a:p>
+            <a:endParaRPr lang="zh-CN" altLang="en-US"/>
+          </a:p>
+          <a:p>
+            <a:endParaRPr lang="zh-CN" altLang="en-US"/>
+          </a:p>
+          <a:p>
+            <a:r>
+              <a:rPr lang="zh-CN" altLang="en-US">
+                <a:sym typeface="+mn-ea"/>
+              </a:rPr>
+              <a:t>- sql server</a:t>
+            </a:r>
+            <a:endParaRPr lang="zh-CN" altLang="en-US"/>
+          </a:p>
+          <a:p>
+            <a:r>
+              <a:rPr lang="zh-CN" altLang="en-US">
+                <a:sym typeface="+mn-ea"/>
+              </a:rPr>
+              <a:t>	- sql server profiler</a:t>
+            </a:r>
+            <a:endParaRPr lang="zh-CN" altLang="en-US"/>
+          </a:p>
+          <a:p>
+            <a:r>
+              <a:rPr lang="zh-CN" altLang="en-US">
+                <a:sym typeface="+mn-ea"/>
+              </a:rPr>
+              <a:t>	- sql management</a:t>
+            </a:r>
+            <a:endParaRPr lang="zh-CN" altLang="en-US"/>
+          </a:p>
+          <a:p>
+            <a:endParaRPr lang="zh-CN" altLang="en-US"/>
+          </a:p>
+          <a:p>
+            <a:r>
+              <a:rPr lang="zh-CN" altLang="en-US">
+                <a:sym typeface="+mn-ea"/>
+              </a:rPr>
+              <a:t>- sql lite</a:t>
+            </a:r>
+            <a:endParaRPr lang="zh-CN" altLang="en-US"/>
+          </a:p>
+          <a:p>
+            <a:r>
+              <a:rPr lang="zh-CN" altLang="en-US">
+                <a:sym typeface="+mn-ea"/>
+              </a:rPr>
+              <a:t>	- [sqllite](http://www.oschina.net/news/43608/5-popular-and-free-sqlite-management-tools)</a:t>
+            </a:r>
+            <a:endParaRPr lang="zh-CN" altLang="en-US"/>
+          </a:p>
+          <a:p>
+            <a:r>
+              <a:rPr lang="zh-CN" altLang="en-US">
+                <a:sym typeface="+mn-ea"/>
+              </a:rPr>
+              <a:t>	</a:t>
+            </a:r>
+            <a:endParaRPr lang="zh-CN" altLang="en-US"/>
+          </a:p>
+          <a:p>
+            <a:r>
+              <a:rPr lang="zh-CN" altLang="en-US">
+                <a:sym typeface="+mn-ea"/>
+              </a:rPr>
+              <a:t>- nodejs</a:t>
+            </a:r>
+            <a:endParaRPr lang="zh-CN" altLang="en-US"/>
+          </a:p>
+          <a:p>
+            <a:r>
+              <a:rPr lang="zh-CN" altLang="en-US">
+                <a:sym typeface="+mn-ea"/>
+              </a:rPr>
+              <a:t>	- executor grunt</a:t>
+            </a:r>
+            <a:endParaRPr lang="zh-CN" altLang="en-US"/>
+          </a:p>
+          <a:p>
+            <a:r>
+              <a:rPr lang="zh-CN" altLang="en-US">
+                <a:sym typeface="+mn-ea"/>
+              </a:rPr>
+              <a:t>	- node-inspector</a:t>
+            </a:r>
+            <a:endParaRPr lang="zh-CN" altLang="en-US"/>
+          </a:p>
+          <a:p>
+            <a:endParaRPr lang="zh-CN" altLang="en-US"/>
+          </a:p>
+          <a:p>
+            <a:r>
+              <a:rPr lang="zh-CN" altLang="en-US">
+                <a:sym typeface="+mn-ea"/>
+              </a:rPr>
+              <a:t>- kendoui</a:t>
+            </a:r>
+            <a:endParaRPr lang="zh-CN" altLang="en-US"/>
+          </a:p>
+          <a:p>
+            <a:r>
+              <a:rPr lang="zh-CN" altLang="en-US">
+                <a:sym typeface="+mn-ea"/>
+              </a:rPr>
+              <a:t>	- chrome-extension： kendo ui </a:t>
+            </a:r>
+            <a:endParaRPr lang="zh-CN" altLang="en-US"/>
+          </a:p>
+          <a:p>
+            <a:r>
+              <a:rPr lang="zh-CN" altLang="en-US">
+                <a:sym typeface="+mn-ea"/>
+              </a:rPr>
+              <a:t>- knockoutjs</a:t>
+            </a:r>
+            <a:endParaRPr lang="zh-CN" altLang="en-US"/>
+          </a:p>
+          <a:p>
+            <a:r>
+              <a:rPr lang="zh-CN" altLang="en-US">
+                <a:sym typeface="+mn-ea"/>
+              </a:rPr>
+              <a:t>	- chrome-extension： knockoutjs context debugger</a:t>
+            </a:r>
+            <a:endParaRPr lang="zh-CN" altLang="en-US"/>
+          </a:p>
+          <a:p>
+            <a:endParaRPr lang="zh-CN" altLang="en-US"/>
+          </a:p>
+        </p:txBody>
+      </p:sp>
+    </p:spTree>
+  </p:cSld>
+  <p:clrMapOvr>
+    <a:masterClrMapping/>
+  </p:clrMapOvr>
+</p:notes>
 </file>
 
 <file path=ppt/slideLayouts/slideLayout1.xml><?xml version="1.0" encoding="utf-8"?>
@@ -6336,7 +7950,7 @@
         <p:spPr/>
         <p:txBody>
           <a:bodyPr>
-            <a:normAutofit/>
+            <a:normAutofit fontScale="90000"/>
           </a:bodyPr>
           <a:lstStyle/>
           <a:p>
@@ -6349,6 +7963,25 @@
                 </a:solidFill>
               </a:rPr>
               <a:t>How To Debug ViewFinder</a:t>
+            </a:r>
+            <a:br>
+              <a:rPr lang="en-US" dirty="0" smtClean="0">
+                <a:solidFill>
+                  <a:schemeClr val="accent6">
+                    <a:lumMod val="75000"/>
+                  </a:schemeClr>
+                </a:solidFill>
+              </a:rPr>
+            </a:br>
+            <a:r>
+              <a:rPr lang="zh-CN" altLang="en-US" dirty="0" smtClean="0">
+                <a:solidFill>
+                  <a:schemeClr val="accent6">
+                    <a:lumMod val="75000"/>
+                  </a:schemeClr>
+                </a:solidFill>
+              </a:rPr>
+              <a:t>如何给大象治病</a:t>
             </a:r>
             <a:br>
               <a:rPr lang="en-US" dirty="0" smtClean="0">
@@ -6381,7 +8014,7 @@
                   </a:schemeClr>
                 </a:solidFill>
               </a:rPr>
-              <a:t>/3/2016 </a:t>
+              <a:t>/8/2016 </a:t>
             </a:r>
             <a:r>
               <a:rPr lang="en-US" sz="1800" dirty="0">
@@ -6796,8 +8429,8 @@
         </p:nvSpPr>
         <p:spPr>
           <a:xfrm>
-            <a:off x="1727200" y="1048385"/>
-            <a:ext cx="5069205" cy="15181580"/>
+            <a:off x="1579880" y="990600"/>
+            <a:ext cx="5069205" cy="1739900"/>
           </a:xfrm>
           <a:prstGeom prst="rect">
             <a:avLst/>
@@ -6811,325 +8444,42 @@
           <a:p>
             <a:r>
               <a:rPr lang="zh-CN" altLang="en-US"/>
-              <a:t>## 问题定位</a:t>
+              <a:t>## 性能调试</a:t>
             </a:r>
             <a:endParaRPr lang="zh-CN" altLang="en-US"/>
           </a:p>
           <a:p>
             <a:r>
               <a:rPr lang="zh-CN" altLang="en-US"/>
-              <a:t>- 持久化数据</a:t>
+              <a:t>	- 工具 / 技巧</a:t>
             </a:r>
             <a:endParaRPr lang="zh-CN" altLang="en-US"/>
           </a:p>
           <a:p>
             <a:r>
               <a:rPr lang="zh-CN" altLang="en-US"/>
-              <a:t>	- local storage</a:t>
+              <a:t>	- console.timer()</a:t>
             </a:r>
             <a:endParaRPr lang="zh-CN" altLang="en-US"/>
           </a:p>
           <a:p>
             <a:r>
               <a:rPr lang="zh-CN" altLang="en-US"/>
-              <a:t>	- net work log / xml http request log</a:t>
+              <a:t>	- chrome performance</a:t>
             </a:r>
             <a:endParaRPr lang="zh-CN" altLang="en-US"/>
           </a:p>
           <a:p>
             <a:r>
               <a:rPr lang="zh-CN" altLang="en-US"/>
-              <a:t>	- kendo UI extenstion</a:t>
+              <a:t>	- .net 性能分析工具</a:t>
             </a:r>
             <a:endParaRPr lang="zh-CN" altLang="en-US"/>
           </a:p>
           <a:p>
             <a:r>
               <a:rPr lang="zh-CN" altLang="en-US"/>
-              <a:t>	- knoutoutjs extenstion</a:t>
-            </a:r>
-            <a:endParaRPr lang="zh-CN" altLang="en-US"/>
-          </a:p>
-          <a:p>
-            <a:r>
-              <a:rPr lang="zh-CN" altLang="en-US"/>
-              <a:t>	- database</a:t>
-            </a:r>
-            <a:endParaRPr lang="zh-CN" altLang="en-US"/>
-          </a:p>
-          <a:p>
-            <a:endParaRPr lang="zh-CN" altLang="en-US"/>
-          </a:p>
-          <a:p>
-            <a:r>
-              <a:rPr lang="zh-CN" altLang="en-US"/>
-              <a:t>- 系统配置</a:t>
-            </a:r>
-            <a:endParaRPr lang="zh-CN" altLang="en-US"/>
-          </a:p>
-          <a:p>
-            <a:r>
-              <a:rPr lang="zh-CN" altLang="en-US"/>
-              <a:t>	- sql lite</a:t>
-            </a:r>
-            <a:endParaRPr lang="zh-CN" altLang="en-US"/>
-          </a:p>
-          <a:p>
-            <a:r>
-              <a:rPr lang="zh-CN" altLang="en-US"/>
-              <a:t>		```</a:t>
-            </a:r>
-            <a:endParaRPr lang="zh-CN" altLang="en-US"/>
-          </a:p>
-          <a:p>
-            <a:r>
-              <a:rPr lang="zh-CN" altLang="en-US"/>
-              <a:t>		- dataSourceSpatial</a:t>
-            </a:r>
-            <a:endParaRPr lang="zh-CN" altLang="en-US"/>
-          </a:p>
-          <a:p>
-            <a:r>
-              <a:rPr lang="zh-CN" altLang="en-US"/>
-              <a:t>		地图调试入口</a:t>
-            </a:r>
-            <a:endParaRPr lang="zh-CN" altLang="en-US"/>
-          </a:p>
-          <a:p>
-            <a:r>
-              <a:rPr lang="zh-CN" altLang="en-US"/>
-              <a:t>		- special convert</a:t>
-            </a:r>
-            <a:endParaRPr lang="zh-CN" altLang="en-US"/>
-          </a:p>
-          <a:p>
-            <a:r>
-              <a:rPr lang="zh-CN" altLang="en-US"/>
-              <a:t>		Con = new SQLiteConnection(@"URI=file:" + SpatialPath);</a:t>
-            </a:r>
-            <a:endParaRPr lang="zh-CN" altLang="en-US"/>
-          </a:p>
-          <a:p>
-            <a:r>
-              <a:rPr lang="zh-CN" altLang="en-US"/>
-              <a:t>		- geo region connection</a:t>
-            </a:r>
-            <a:endParaRPr lang="zh-CN" altLang="en-US"/>
-          </a:p>
-          <a:p>
-            <a:r>
-              <a:rPr lang="zh-CN" altLang="en-US"/>
-              <a:t>		```</a:t>
-            </a:r>
-            <a:endParaRPr lang="zh-CN" altLang="en-US"/>
-          </a:p>
-          <a:p>
-            <a:r>
-              <a:rPr lang="zh-CN" altLang="en-US"/>
-              <a:t>		</a:t>
-            </a:r>
-            <a:endParaRPr lang="zh-CN" altLang="en-US"/>
-          </a:p>
-          <a:p>
-            <a:r>
-              <a:rPr lang="zh-CN" altLang="en-US"/>
-              <a:t>	- gps 数据库mapping</a:t>
-            </a:r>
-            <a:endParaRPr lang="zh-CN" altLang="en-US"/>
-          </a:p>
-          <a:p>
-            <a:r>
-              <a:rPr lang="zh-CN" altLang="en-US"/>
-              <a:t>		```</a:t>
-            </a:r>
-            <a:endParaRPr lang="zh-CN" altLang="en-US"/>
-          </a:p>
-          <a:p>
-            <a:r>
-              <a:rPr lang="zh-CN" altLang="en-US"/>
-              <a:t>		acs.vehicle.name =&gt; gps.vehicle.id</a:t>
-            </a:r>
-            <a:endParaRPr lang="zh-CN" altLang="en-US"/>
-          </a:p>
-          <a:p>
-            <a:r>
-              <a:rPr lang="zh-CN" altLang="en-US"/>
-              <a:t>		acs.vehicle.gpsid =&gt; gps.vehicle.ExternalID</a:t>
-            </a:r>
-            <a:endParaRPr lang="zh-CN" altLang="en-US"/>
-          </a:p>
-          <a:p>
-            <a:r>
-              <a:rPr lang="zh-CN" altLang="en-US"/>
-              <a:t>		TFGPS.INI </a:t>
-            </a:r>
-            <a:endParaRPr lang="zh-CN" altLang="en-US"/>
-          </a:p>
-          <a:p>
-            <a:r>
-              <a:rPr lang="zh-CN" altLang="en-US"/>
-              <a:t>		```</a:t>
-            </a:r>
-            <a:endParaRPr lang="zh-CN" altLang="en-US"/>
-          </a:p>
-          <a:p>
-            <a:r>
-              <a:rPr lang="zh-CN" altLang="en-US"/>
-              <a:t>	</a:t>
-            </a:r>
-            <a:endParaRPr lang="zh-CN" altLang="en-US"/>
-          </a:p>
-          <a:p>
-            <a:r>
-              <a:rPr lang="zh-CN" altLang="en-US"/>
-              <a:t>	- orm mapping</a:t>
-            </a:r>
-            <a:endParaRPr lang="zh-CN" altLang="en-US"/>
-          </a:p>
-          <a:p>
-            <a:r>
-              <a:rPr lang="zh-CN" altLang="en-US"/>
-              <a:t>		&gt; 2 PersistenceInfoProvider.cs files acs/extension</a:t>
-            </a:r>
-            <a:endParaRPr lang="zh-CN" altLang="en-US"/>
-          </a:p>
-          <a:p>
-            <a:r>
-              <a:rPr lang="zh-CN" altLang="en-US"/>
-              <a:t>	</a:t>
-            </a:r>
-            <a:endParaRPr lang="zh-CN" altLang="en-US"/>
-          </a:p>
-          <a:p>
-            <a:endParaRPr lang="zh-CN" altLang="en-US"/>
-          </a:p>
-          <a:p>
-            <a:r>
-              <a:rPr lang="zh-CN" altLang="en-US"/>
-              <a:t>- 系统定位</a:t>
-            </a:r>
-            <a:endParaRPr lang="zh-CN" altLang="en-US"/>
-          </a:p>
-          <a:p>
-            <a:endParaRPr lang="zh-CN" altLang="en-US"/>
-          </a:p>
-          <a:p>
-            <a:r>
-              <a:rPr lang="zh-CN" altLang="en-US"/>
-              <a:t>- 美国测试环境</a:t>
-            </a:r>
-            <a:endParaRPr lang="zh-CN" altLang="en-US"/>
-          </a:p>
-          <a:p>
-            <a:r>
-              <a:rPr lang="zh-CN" altLang="en-US"/>
-              <a:t>	- viewfinder buildagent</a:t>
-            </a:r>
-            <a:endParaRPr lang="zh-CN" altLang="en-US"/>
-          </a:p>
-          <a:p>
-            <a:endParaRPr lang="zh-CN" altLang="en-US"/>
-          </a:p>
-          <a:p>
-            <a:r>
-              <a:rPr lang="zh-CN" altLang="en-US"/>
-              <a:t>- 构建快速迭代环境 / 技巧</a:t>
-            </a:r>
-            <a:endParaRPr lang="zh-CN" altLang="en-US"/>
-          </a:p>
-          <a:p>
-            <a:r>
-              <a:rPr lang="zh-CN" altLang="en-US"/>
-              <a:t>	- 前端环境</a:t>
-            </a:r>
-            <a:endParaRPr lang="zh-CN" altLang="en-US"/>
-          </a:p>
-          <a:p>
-            <a:endParaRPr lang="zh-CN" altLang="en-US"/>
-          </a:p>
-          <a:p>
-            <a:r>
-              <a:rPr lang="zh-CN" altLang="en-US"/>
-              <a:t>	- kendo UI 环境</a:t>
-            </a:r>
-            <a:endParaRPr lang="zh-CN" altLang="en-US"/>
-          </a:p>
-          <a:p>
-            <a:endParaRPr lang="zh-CN" altLang="en-US"/>
-          </a:p>
-          <a:p>
-            <a:r>
-              <a:rPr lang="zh-CN" altLang="en-US"/>
-              <a:t>	- webapi环境</a:t>
-            </a:r>
-            <a:endParaRPr lang="zh-CN" altLang="en-US"/>
-          </a:p>
-          <a:p>
-            <a:endParaRPr lang="zh-CN" altLang="en-US"/>
-          </a:p>
-          <a:p>
-            <a:r>
-              <a:rPr lang="zh-CN" altLang="en-US"/>
-              <a:t>	- 数据库环境</a:t>
-            </a:r>
-            <a:endParaRPr lang="zh-CN" altLang="en-US"/>
-          </a:p>
-          <a:p>
-            <a:endParaRPr lang="zh-CN" altLang="en-US"/>
-          </a:p>
-          <a:p>
-            <a:r>
-              <a:rPr lang="zh-CN" altLang="en-US"/>
-              <a:t>	- CI环境</a:t>
-            </a:r>
-            <a:endParaRPr lang="zh-CN" altLang="en-US"/>
-          </a:p>
-          <a:p>
-            <a:r>
-              <a:rPr lang="zh-CN" altLang="en-US"/>
-              <a:t>	</a:t>
-            </a:r>
-            <a:endParaRPr lang="zh-CN" altLang="en-US"/>
-          </a:p>
-          <a:p>
-            <a:r>
-              <a:rPr lang="zh-CN" altLang="en-US"/>
-              <a:t>	- 其它</a:t>
-            </a:r>
-            <a:endParaRPr lang="zh-CN" altLang="en-US"/>
-          </a:p>
-          <a:p>
-            <a:r>
-              <a:rPr lang="zh-CN" altLang="en-US"/>
-              <a:t>		- regex</a:t>
-            </a:r>
-            <a:endParaRPr lang="zh-CN" altLang="en-US"/>
-          </a:p>
-          <a:p>
-            <a:r>
-              <a:rPr lang="zh-CN" altLang="en-US"/>
-              <a:t>		- json</a:t>
-            </a:r>
-            <a:endParaRPr lang="zh-CN" altLang="en-US"/>
-          </a:p>
-          <a:p>
-            <a:r>
-              <a:rPr lang="zh-CN" altLang="en-US"/>
-              <a:t>		</a:t>
-            </a:r>
-            <a:endParaRPr lang="zh-CN" altLang="en-US"/>
-          </a:p>
-          <a:p>
-            <a:r>
-              <a:rPr lang="zh-CN" altLang="en-US"/>
-              <a:t>	- git	</a:t>
-            </a:r>
-            <a:endParaRPr lang="zh-CN" altLang="en-US"/>
-          </a:p>
-          <a:p>
-            <a:r>
-              <a:rPr lang="zh-CN" altLang="en-US"/>
-              <a:t>		- 回退代码</a:t>
+              <a:t>	- 数据库性能分析工具</a:t>
             </a:r>
             <a:endParaRPr lang="zh-CN" altLang="en-US"/>
           </a:p>
@@ -7397,7 +8747,7 @@
         <p:spPr>
           <a:xfrm>
             <a:off x="1579880" y="990600"/>
-            <a:ext cx="5069205" cy="1739900"/>
+            <a:ext cx="8031480" cy="3111500"/>
           </a:xfrm>
           <a:prstGeom prst="rect">
             <a:avLst/>
@@ -7411,43 +8761,64 @@
           <a:p>
             <a:r>
               <a:rPr lang="zh-CN" altLang="en-US"/>
-              <a:t>## 性能调试</a:t>
-            </a:r>
-            <a:endParaRPr lang="zh-CN" altLang="en-US"/>
-          </a:p>
-          <a:p>
+              <a:t>## 参考</a:t>
+            </a:r>
+            <a:endParaRPr lang="zh-CN" altLang="en-US"/>
+          </a:p>
+          <a:p>
+            <a:endParaRPr lang="zh-CN" altLang="en-US"/>
+          </a:p>
+          <a:p>
+            <a:r>
+              <a:rPr lang="en-US" altLang="zh-CN"/>
+              <a:t>- CI </a:t>
+            </a:r>
+            <a:r>
+              <a:rPr lang="zh-CN" altLang="zh-CN"/>
+              <a:t>持续集成</a:t>
+            </a:r>
             <a:r>
               <a:rPr lang="zh-CN" altLang="en-US"/>
-              <a:t>	- 工具 / 技巧</a:t>
+              <a:t> </a:t>
             </a:r>
             <a:endParaRPr lang="zh-CN" altLang="en-US"/>
           </a:p>
           <a:p>
             <a:r>
               <a:rPr lang="zh-CN" altLang="en-US"/>
-              <a:t>	- console.timer()</a:t>
-            </a:r>
-            <a:endParaRPr lang="zh-CN" altLang="en-US"/>
-          </a:p>
-          <a:p>
+              <a:t>http://www.ruanyifeng.com/blog/2015/09/continuous-integration.html</a:t>
+            </a:r>
+            <a:endParaRPr lang="zh-CN" altLang="en-US"/>
+          </a:p>
+          <a:p>
+            <a:endParaRPr lang="zh-CN" altLang="en-US"/>
+          </a:p>
+          <a:p>
+            <a:r>
+              <a:rPr lang="en-US" altLang="zh-CN"/>
+              <a:t>- </a:t>
+            </a:r>
             <a:r>
               <a:rPr lang="zh-CN" altLang="en-US"/>
-              <a:t>	- chrome performance</a:t>
-            </a:r>
-            <a:endParaRPr lang="zh-CN" altLang="en-US"/>
-          </a:p>
-          <a:p>
+              <a:t>Chrome 开发者工具的技巧</a:t>
+            </a:r>
+            <a:r>
+              <a:rPr lang="en-US" altLang="zh-CN"/>
+              <a:t> </a:t>
+            </a:r>
             <a:r>
               <a:rPr lang="zh-CN" altLang="en-US"/>
-              <a:t>	- .net 性能分析工具</a:t>
-            </a:r>
-            <a:endParaRPr lang="zh-CN" altLang="en-US"/>
-          </a:p>
-          <a:p>
-            <a:r>
-              <a:rPr lang="zh-CN" altLang="en-US"/>
-              <a:t>	- 数据库性能分析工具</a:t>
-            </a:r>
+              <a:t>http://mp.weixin.qq.com/s?__biz=MzAxODE2MjM1MA==&amp;mid=400754287&amp;idx=1&amp;sn=45e3f1673defe22f5d2d4f826be0d414&amp;scene=0#wechat_redirect</a:t>
+            </a:r>
+            <a:endParaRPr lang="zh-CN" altLang="en-US"/>
+          </a:p>
+          <a:p>
+            <a:endParaRPr lang="zh-CN" altLang="en-US"/>
+          </a:p>
+          <a:p>
+            <a:endParaRPr lang="zh-CN" altLang="en-US"/>
+          </a:p>
+          <a:p>
             <a:endParaRPr lang="zh-CN" altLang="en-US"/>
           </a:p>
         </p:txBody>
@@ -7705,30 +9076,6 @@
           </a:p>
         </p:txBody>
       </p:sp>
-      <p:pic>
-        <p:nvPicPr>
-          <p:cNvPr id="3" name="图片 2" descr="architectural"/>
-          <p:cNvPicPr>
-            <a:picLocks noChangeAspect="1"/>
-          </p:cNvPicPr>
-          <p:nvPr/>
-        </p:nvPicPr>
-        <p:blipFill>
-          <a:blip r:embed="rId2"/>
-          <a:stretch>
-            <a:fillRect/>
-          </a:stretch>
-        </p:blipFill>
-        <p:spPr>
-          <a:xfrm>
-            <a:off x="3634740" y="1148715"/>
-            <a:ext cx="3789045" cy="5013960"/>
-          </a:xfrm>
-          <a:prstGeom prst="rect">
-            <a:avLst/>
-          </a:prstGeom>
-        </p:spPr>
-      </p:pic>
       <p:sp>
         <p:nvSpPr>
           <p:cNvPr id="4" name="文本框 3"/>
@@ -7737,8 +9084,8 @@
         </p:nvSpPr>
         <p:spPr>
           <a:xfrm>
-            <a:off x="4417060" y="1002665"/>
-            <a:ext cx="2540000" cy="368300"/>
+            <a:off x="1727200" y="1048385"/>
+            <a:ext cx="4279900" cy="3111500"/>
           </a:xfrm>
           <a:prstGeom prst="rect">
             <a:avLst/>
@@ -7751,8 +9098,156 @@
           </a:bodyPr>
           <a:p>
             <a:r>
+              <a:rPr lang="en-US" altLang="zh-CN">
+                <a:sym typeface="+mn-ea"/>
+              </a:rPr>
+              <a:t>##</a:t>
+            </a:r>
+            <a:r>
               <a:rPr lang="zh-CN" altLang="en-US"/>
-              <a:t>## 小型网站架构图</a:t>
+              <a:t> 了解全貌</a:t>
+            </a:r>
+            <a:endParaRPr lang="zh-CN" altLang="en-US"/>
+          </a:p>
+          <a:p>
+            <a:r>
+              <a:rPr lang="en-US" altLang="zh-CN"/>
+              <a:t>    - </a:t>
+            </a:r>
+            <a:r>
+              <a:rPr lang="zh-CN" altLang="en-US">
+                <a:sym typeface="+mn-ea"/>
+              </a:rPr>
+              <a:t>子系统 / 第三方插件 </a:t>
+            </a:r>
+            <a:r>
+              <a:rPr lang="en-US" altLang="zh-CN">
+                <a:sym typeface="+mn-ea"/>
+              </a:rPr>
+              <a:t>/ </a:t>
+            </a:r>
+            <a:r>
+              <a:rPr lang="zh-CN" altLang="en-US">
+                <a:sym typeface="+mn-ea"/>
+              </a:rPr>
+              <a:t>运行环境</a:t>
+            </a:r>
+            <a:endParaRPr lang="zh-CN" altLang="en-US"/>
+          </a:p>
+          <a:p>
+            <a:endParaRPr lang="zh-CN" altLang="en-US"/>
+          </a:p>
+          <a:p>
+            <a:r>
+              <a:rPr lang="en-US" altLang="zh-CN">
+                <a:sym typeface="+mn-ea"/>
+              </a:rPr>
+              <a:t>##</a:t>
+            </a:r>
+            <a:r>
+              <a:rPr lang="zh-CN" altLang="en-US">
+                <a:sym typeface="+mn-ea"/>
+              </a:rPr>
+              <a:t> 快速了解</a:t>
+            </a:r>
+            <a:r>
+              <a:rPr lang="zh-CN" altLang="en-US">
+                <a:sym typeface="+mn-ea"/>
+              </a:rPr>
+              <a:t>某</a:t>
+            </a:r>
+            <a:r>
+              <a:rPr lang="zh-CN" altLang="en-US">
+                <a:sym typeface="+mn-ea"/>
+              </a:rPr>
+              <a:t>一部位</a:t>
+            </a:r>
+            <a:endParaRPr lang="zh-CN" altLang="en-US"/>
+          </a:p>
+          <a:p>
+            <a:r>
+              <a:rPr lang="en-US" altLang="zh-CN">
+                <a:sym typeface="+mn-ea"/>
+              </a:rPr>
+              <a:t>    - </a:t>
+            </a:r>
+            <a:r>
+              <a:rPr lang="zh-CN" altLang="en-US">
+                <a:sym typeface="+mn-ea"/>
+              </a:rPr>
+              <a:t>构建迭代环境（工具，方法，文档）</a:t>
+            </a:r>
+            <a:endParaRPr lang="zh-CN" altLang="en-US"/>
+          </a:p>
+          <a:p>
+            <a:endParaRPr lang="zh-CN" altLang="en-US"/>
+          </a:p>
+          <a:p>
+            <a:r>
+              <a:rPr lang="en-US" altLang="zh-CN">
+                <a:sym typeface="+mn-ea"/>
+              </a:rPr>
+              <a:t>## </a:t>
+            </a:r>
+            <a:r>
+              <a:rPr lang="zh-CN" altLang="zh-CN">
+                <a:sym typeface="+mn-ea"/>
+              </a:rPr>
+              <a:t>找到病灶</a:t>
+            </a:r>
+            <a:endParaRPr lang="zh-CN" altLang="zh-CN">
+              <a:sym typeface="+mn-ea"/>
+            </a:endParaRPr>
+          </a:p>
+          <a:p>
+            <a:r>
+              <a:rPr lang="zh-CN" altLang="en-US"/>
+              <a:t>    </a:t>
+            </a:r>
+            <a:r>
+              <a:rPr lang="en-US" altLang="zh-CN"/>
+              <a:t>- </a:t>
+            </a:r>
+            <a:r>
+              <a:rPr lang="zh-CN" altLang="en-US"/>
+              <a:t>问题定位</a:t>
+            </a:r>
+            <a:endParaRPr lang="zh-CN" altLang="en-US"/>
+          </a:p>
+          <a:p>
+            <a:r>
+              <a:rPr lang="en-US" altLang="zh-CN"/>
+              <a:t>     </a:t>
+            </a:r>
+            <a:endParaRPr lang="en-US" altLang="zh-CN"/>
+          </a:p>
+          <a:p>
+            <a:r>
+              <a:rPr lang="en-US" altLang="zh-CN">
+                <a:sym typeface="+mn-ea"/>
+              </a:rPr>
+              <a:t>#</a:t>
+            </a:r>
+            <a:r>
+              <a:rPr lang="en-US" altLang="zh-CN">
+                <a:sym typeface="+mn-ea"/>
+              </a:rPr>
+              <a:t>#</a:t>
+            </a:r>
+            <a:r>
+              <a:rPr lang="zh-CN" altLang="en-US"/>
+              <a:t> 特殊病症</a:t>
+            </a:r>
+            <a:endParaRPr lang="zh-CN" altLang="en-US"/>
+          </a:p>
+          <a:p>
+            <a:r>
+              <a:rPr lang="en-US" altLang="zh-CN"/>
+              <a:t>    - </a:t>
+            </a:r>
+            <a:r>
+              <a:rPr lang="zh-CN" altLang="en-US"/>
+              <a:t>性能问题</a:t>
             </a:r>
             <a:endParaRPr lang="zh-CN" altLang="en-US"/>
           </a:p>
@@ -8020,7 +9515,7 @@
         <p:spPr>
           <a:xfrm>
             <a:off x="1727200" y="1048385"/>
-            <a:ext cx="5069205" cy="2014220"/>
+            <a:ext cx="4326890" cy="3111500"/>
           </a:xfrm>
           <a:prstGeom prst="rect">
             <a:avLst/>
@@ -8033,54 +9528,191 @@
           </a:bodyPr>
           <a:p>
             <a:r>
+              <a:rPr lang="en-US" altLang="zh-CN">
+                <a:solidFill>
+                  <a:schemeClr val="accent6">
+                    <a:lumMod val="75000"/>
+                  </a:schemeClr>
+                </a:solidFill>
+                <a:sym typeface="+mn-ea"/>
+              </a:rPr>
+              <a:t>##</a:t>
+            </a:r>
+            <a:r>
+              <a:rPr lang="zh-CN" altLang="en-US">
+                <a:solidFill>
+                  <a:schemeClr val="accent6">
+                    <a:lumMod val="75000"/>
+                  </a:schemeClr>
+                </a:solidFill>
+              </a:rPr>
+              <a:t> 了解全貌</a:t>
+            </a:r>
+            <a:endParaRPr lang="zh-CN" altLang="en-US">
+              <a:solidFill>
+                <a:schemeClr val="accent6">
+                  <a:lumMod val="75000"/>
+                </a:schemeClr>
+              </a:solidFill>
+            </a:endParaRPr>
+          </a:p>
+          <a:p>
+            <a:r>
+              <a:rPr lang="en-US" altLang="zh-CN">
+                <a:solidFill>
+                  <a:schemeClr val="accent6">
+                    <a:lumMod val="75000"/>
+                  </a:schemeClr>
+                </a:solidFill>
+              </a:rPr>
+              <a:t>    - </a:t>
+            </a:r>
+            <a:r>
+              <a:rPr lang="zh-CN" altLang="en-US">
+                <a:solidFill>
+                  <a:schemeClr val="accent6">
+                    <a:lumMod val="75000"/>
+                  </a:schemeClr>
+                </a:solidFill>
+                <a:sym typeface="+mn-ea"/>
+              </a:rPr>
+              <a:t>子系统 / 第三方插件 </a:t>
+            </a:r>
+            <a:r>
+              <a:rPr lang="en-US" altLang="zh-CN">
+                <a:solidFill>
+                  <a:schemeClr val="accent6">
+                    <a:lumMod val="75000"/>
+                  </a:schemeClr>
+                </a:solidFill>
+                <a:sym typeface="+mn-ea"/>
+              </a:rPr>
+              <a:t>/ </a:t>
+            </a:r>
+            <a:r>
+              <a:rPr lang="zh-CN" altLang="en-US">
+                <a:solidFill>
+                  <a:schemeClr val="accent6">
+                    <a:lumMod val="75000"/>
+                  </a:schemeClr>
+                </a:solidFill>
+                <a:sym typeface="+mn-ea"/>
+              </a:rPr>
+              <a:t>运行环境</a:t>
+            </a:r>
+            <a:endParaRPr lang="zh-CN" altLang="en-US">
+              <a:solidFill>
+                <a:schemeClr val="accent6">
+                  <a:lumMod val="75000"/>
+                </a:schemeClr>
+              </a:solidFill>
+              <a:sym typeface="+mn-ea"/>
+            </a:endParaRPr>
+          </a:p>
+          <a:p>
+            <a:endParaRPr lang="zh-CN" altLang="en-US"/>
+          </a:p>
+          <a:p>
+            <a:r>
+              <a:rPr lang="en-US" altLang="zh-CN">
+                <a:sym typeface="+mn-ea"/>
+              </a:rPr>
+              <a:t>##</a:t>
+            </a:r>
+            <a:r>
+              <a:rPr lang="zh-CN" altLang="en-US"/>
+              <a:t> </a:t>
+            </a:r>
+            <a:r>
+              <a:rPr lang="zh-CN" altLang="en-US">
+                <a:sym typeface="+mn-ea"/>
+              </a:rPr>
+              <a:t>快速了解某一部位</a:t>
+            </a:r>
+            <a:endParaRPr lang="zh-CN" altLang="en-US"/>
+          </a:p>
+          <a:p>
+            <a:r>
               <a:rPr lang="en-US" altLang="zh-CN"/>
-              <a:t>-</a:t>
-            </a:r>
+              <a:t>    - </a:t>
+            </a:r>
+            <a:r>
+              <a:rPr lang="zh-CN" altLang="en-US">
+                <a:sym typeface="+mn-ea"/>
+              </a:rPr>
+              <a:t>构建迭代环境（工具，方法，文档</a:t>
+            </a:r>
+            <a:r>
+              <a:rPr lang="zh-CN" altLang="en-US">
+                <a:sym typeface="+mn-ea"/>
+              </a:rPr>
+              <a:t>）</a:t>
+            </a:r>
+            <a:endParaRPr lang="zh-CN" altLang="en-US"/>
+          </a:p>
+          <a:p>
+            <a:endParaRPr lang="zh-CN" altLang="en-US"/>
+          </a:p>
+          <a:p>
+            <a:r>
+              <a:rPr lang="en-US" altLang="zh-CN">
+                <a:sym typeface="+mn-ea"/>
+              </a:rPr>
+              <a:t>## </a:t>
+            </a:r>
+            <a:r>
+              <a:rPr lang="zh-CN" altLang="zh-CN">
+                <a:sym typeface="+mn-ea"/>
+              </a:rPr>
+              <a:t>找到病灶</a:t>
+            </a:r>
+            <a:endParaRPr lang="zh-CN" altLang="zh-CN">
+              <a:sym typeface="+mn-ea"/>
+            </a:endParaRPr>
+          </a:p>
+          <a:p>
             <a:r>
               <a:rPr lang="zh-CN" altLang="en-US"/>
-              <a:t> 模块、系统 / 运行环境 / 第三方插件</a:t>
-            </a:r>
-            <a:endParaRPr lang="zh-CN" altLang="en-US"/>
-          </a:p>
-          <a:p>
-            <a:endParaRPr lang="zh-CN" altLang="en-US"/>
-          </a:p>
-          <a:p>
+              <a:t>    </a:t>
+            </a:r>
             <a:r>
               <a:rPr lang="en-US" altLang="zh-CN"/>
-              <a:t>-</a:t>
+              <a:t>- </a:t>
             </a:r>
             <a:r>
               <a:rPr lang="zh-CN" altLang="en-US"/>
-              <a:t> 调试工具 / 使用方法 / 文档</a:t>
-            </a:r>
-            <a:endParaRPr lang="zh-CN" altLang="en-US"/>
-          </a:p>
-          <a:p>
+              <a:t>问题定位</a:t>
+            </a:r>
             <a:endParaRPr lang="zh-CN" altLang="en-US"/>
           </a:p>
           <a:p>
             <a:r>
               <a:rPr lang="en-US" altLang="zh-CN"/>
-              <a:t>-</a:t>
+              <a:t>     </a:t>
+            </a:r>
+            <a:endParaRPr lang="en-US" altLang="zh-CN"/>
+          </a:p>
+          <a:p>
+            <a:r>
+              <a:rPr lang="en-US" altLang="zh-CN">
+                <a:sym typeface="+mn-ea"/>
+              </a:rPr>
+              <a:t>##</a:t>
             </a:r>
             <a:r>
               <a:rPr lang="zh-CN" altLang="en-US"/>
-              <a:t> 问题定位</a:t>
-            </a:r>
-            <a:endParaRPr lang="zh-CN" altLang="en-US"/>
-          </a:p>
-          <a:p>
+              <a:t> 特殊病症</a:t>
+            </a:r>
             <a:endParaRPr lang="zh-CN" altLang="en-US"/>
           </a:p>
           <a:p>
             <a:r>
               <a:rPr lang="en-US" altLang="zh-CN"/>
-              <a:t>-</a:t>
+              <a:t>    - </a:t>
             </a:r>
             <a:r>
               <a:rPr lang="zh-CN" altLang="en-US"/>
-              <a:t> 性能调试 工具 / 技巧</a:t>
+              <a:t>性能问题</a:t>
             </a:r>
             <a:endParaRPr lang="zh-CN" altLang="en-US"/>
           </a:p>
@@ -8339,6 +9971,30 @@
           </a:p>
         </p:txBody>
       </p:sp>
+      <p:pic>
+        <p:nvPicPr>
+          <p:cNvPr id="3" name="图片 2" descr="architectural"/>
+          <p:cNvPicPr>
+            <a:picLocks noChangeAspect="1"/>
+          </p:cNvPicPr>
+          <p:nvPr/>
+        </p:nvPicPr>
+        <p:blipFill>
+          <a:blip r:embed="rId2"/>
+          <a:stretch>
+            <a:fillRect/>
+          </a:stretch>
+        </p:blipFill>
+        <p:spPr>
+          <a:xfrm>
+            <a:off x="3634740" y="1148715"/>
+            <a:ext cx="3789045" cy="5013960"/>
+          </a:xfrm>
+          <a:prstGeom prst="rect">
+            <a:avLst/>
+          </a:prstGeom>
+        </p:spPr>
+      </p:pic>
       <p:sp>
         <p:nvSpPr>
           <p:cNvPr id="4" name="文本框 3"/>
@@ -8347,8 +10003,8 @@
         </p:nvSpPr>
         <p:spPr>
           <a:xfrm>
-            <a:off x="1727200" y="1048385"/>
-            <a:ext cx="5069205" cy="5031740"/>
+            <a:off x="4977130" y="956945"/>
+            <a:ext cx="1036320" cy="365760"/>
           </a:xfrm>
           <a:prstGeom prst="rect">
             <a:avLst/>
@@ -8362,126 +10018,7 @@
           <a:p>
             <a:r>
               <a:rPr lang="zh-CN" altLang="en-US"/>
-              <a:t>## 模块、系统 / 运行环境 / 第三方插件</a:t>
-            </a:r>
-            <a:endParaRPr lang="zh-CN" altLang="en-US"/>
-          </a:p>
-          <a:p>
-            <a:endParaRPr lang="zh-CN" altLang="en-US"/>
-          </a:p>
-          <a:p>
-            <a:r>
-              <a:rPr lang="zh-CN" altLang="en-US"/>
-              <a:t>- 模块、系统</a:t>
-            </a:r>
-            <a:endParaRPr lang="zh-CN" altLang="en-US"/>
-          </a:p>
-          <a:p>
-            <a:r>
-              <a:rPr lang="zh-CN" altLang="en-US"/>
-              <a:t>	- 前台</a:t>
-            </a:r>
-            <a:endParaRPr lang="zh-CN" altLang="en-US"/>
-          </a:p>
-          <a:p>
-            <a:r>
-              <a:rPr lang="zh-CN" altLang="en-US"/>
-              <a:t>	- 后台</a:t>
-            </a:r>
-            <a:endParaRPr lang="zh-CN" altLang="en-US"/>
-          </a:p>
-          <a:p>
-            <a:r>
-              <a:rPr lang="zh-CN" altLang="en-US"/>
-              <a:t>	- 数据库</a:t>
-            </a:r>
-            <a:endParaRPr lang="zh-CN" altLang="en-US"/>
-          </a:p>
-          <a:p>
-            <a:r>
-              <a:rPr lang="zh-CN" altLang="en-US"/>
-              <a:t>	- gps数据库</a:t>
-            </a:r>
-            <a:endParaRPr lang="zh-CN" altLang="en-US"/>
-          </a:p>
-          <a:p>
-            <a:r>
-              <a:rPr lang="zh-CN" altLang="en-US"/>
-              <a:t>	- map数据库</a:t>
-            </a:r>
-            <a:endParaRPr lang="zh-CN" altLang="en-US"/>
-          </a:p>
-          <a:p>
-            <a:r>
-              <a:rPr lang="zh-CN" altLang="en-US"/>
-              <a:t>	- ci</a:t>
-            </a:r>
-            <a:endParaRPr lang="zh-CN" altLang="en-US"/>
-          </a:p>
-          <a:p>
-            <a:r>
-              <a:rPr lang="zh-CN" altLang="en-US"/>
-              <a:t>- 运行环境</a:t>
-            </a:r>
-            <a:endParaRPr lang="zh-CN" altLang="en-US"/>
-          </a:p>
-          <a:p>
-            <a:r>
-              <a:rPr lang="en-US" altLang="zh-CN"/>
-              <a:t>	</a:t>
-            </a:r>
-            <a:r>
-              <a:rPr lang="zh-CN" altLang="en-US"/>
-              <a:t>- chrome</a:t>
-            </a:r>
-            <a:endParaRPr lang="zh-CN" altLang="en-US"/>
-          </a:p>
-          <a:p>
-            <a:r>
-              <a:rPr lang="zh-CN" altLang="en-US"/>
-              <a:t>	- .net</a:t>
-            </a:r>
-            <a:endParaRPr lang="zh-CN" altLang="en-US"/>
-          </a:p>
-          <a:p>
-            <a:r>
-              <a:rPr lang="zh-CN" altLang="en-US"/>
-              <a:t>	- sql server</a:t>
-            </a:r>
-            <a:endParaRPr lang="zh-CN" altLang="en-US"/>
-          </a:p>
-          <a:p>
-            <a:r>
-              <a:rPr lang="zh-CN" altLang="en-US"/>
-              <a:t>	- sql lite</a:t>
-            </a:r>
-            <a:endParaRPr lang="zh-CN" altLang="en-US"/>
-          </a:p>
-          <a:p>
-            <a:r>
-              <a:rPr lang="zh-CN" altLang="en-US"/>
-              <a:t>	- nodejs	</a:t>
-            </a:r>
-            <a:endParaRPr lang="zh-CN" altLang="en-US"/>
-          </a:p>
-          <a:p>
-            <a:r>
-              <a:rPr lang="zh-CN" altLang="en-US"/>
-              <a:t>- 第三方插件</a:t>
-            </a:r>
-            <a:endParaRPr lang="zh-CN" altLang="en-US"/>
-          </a:p>
-          <a:p>
-            <a:r>
-              <a:rPr lang="zh-CN" altLang="en-US"/>
-              <a:t>	- kendoui</a:t>
-            </a:r>
-            <a:endParaRPr lang="zh-CN" altLang="en-US"/>
-          </a:p>
-          <a:p>
-            <a:r>
-              <a:rPr lang="zh-CN" altLang="en-US"/>
-              <a:t>	- knockoutjs</a:t>
+              <a:t>架构图</a:t>
             </a:r>
             <a:endParaRPr lang="zh-CN" altLang="en-US"/>
           </a:p>
@@ -8749,7 +10286,7 @@
         <p:spPr>
           <a:xfrm>
             <a:off x="1727200" y="1048385"/>
-            <a:ext cx="5069205" cy="4208780"/>
+            <a:ext cx="5069205" cy="5306060"/>
           </a:xfrm>
           <a:prstGeom prst="rect">
             <a:avLst/>
@@ -8763,86 +10300,178 @@
           <a:p>
             <a:r>
               <a:rPr lang="zh-CN" altLang="en-US"/>
-              <a:t>## 调试工具 / 使用方法 / 文档</a:t>
-            </a:r>
-            <a:endParaRPr lang="zh-CN" altLang="en-US"/>
-          </a:p>
-          <a:p>
+              <a:t>- </a:t>
+            </a:r>
+            <a:r>
+              <a:rPr lang="zh-CN" altLang="en-US">
+                <a:sym typeface="+mn-ea"/>
+              </a:rPr>
+              <a:t>子系统</a:t>
+            </a:r>
             <a:endParaRPr lang="zh-CN" altLang="en-US"/>
           </a:p>
           <a:p>
             <a:r>
               <a:rPr lang="zh-CN" altLang="en-US"/>
-              <a:t>- chrome</a:t>
+              <a:t>    - 前台</a:t>
             </a:r>
             <a:endParaRPr lang="zh-CN" altLang="en-US"/>
           </a:p>
           <a:p>
             <a:r>
               <a:rPr lang="zh-CN" altLang="en-US"/>
-              <a:t>	</a:t>
+              <a:t>    - 后台</a:t>
             </a:r>
             <a:endParaRPr lang="zh-CN" altLang="en-US"/>
           </a:p>
           <a:p>
             <a:r>
               <a:rPr lang="zh-CN" altLang="en-US"/>
-              <a:t>- .net</a:t>
-            </a:r>
-            <a:endParaRPr lang="zh-CN" altLang="en-US"/>
-          </a:p>
-          <a:p>
+              <a:t>    - 数据库</a:t>
+            </a:r>
             <a:endParaRPr lang="zh-CN" altLang="en-US"/>
           </a:p>
           <a:p>
             <a:r>
               <a:rPr lang="zh-CN" altLang="en-US"/>
-              <a:t>- sql server</a:t>
-            </a:r>
-            <a:endParaRPr lang="zh-CN" altLang="en-US"/>
-          </a:p>
-          <a:p>
+              <a:t>    - gps数据库</a:t>
+            </a:r>
             <a:endParaRPr lang="zh-CN" altLang="en-US"/>
           </a:p>
           <a:p>
             <a:r>
               <a:rPr lang="zh-CN" altLang="en-US"/>
-              <a:t>- sql lite</a:t>
+              <a:t>    - map数据库</a:t>
             </a:r>
             <a:endParaRPr lang="zh-CN" altLang="en-US"/>
           </a:p>
           <a:p>
             <a:r>
               <a:rPr lang="zh-CN" altLang="en-US"/>
-              <a:t>		</a:t>
-            </a:r>
+              <a:t>    - </a:t>
+            </a:r>
+            <a:r>
+              <a:rPr lang="en-US" altLang="zh-CN"/>
+              <a:t>ci</a:t>
+            </a:r>
+            <a:endParaRPr lang="en-US" altLang="zh-CN"/>
+          </a:p>
+          <a:p>
+            <a:endParaRPr lang="en-US" altLang="zh-CN"/>
+          </a:p>
+          <a:p>
+            <a:r>
+              <a:rPr lang="zh-CN" altLang="en-US">
+                <a:sym typeface="+mn-ea"/>
+              </a:rPr>
+              <a:t>- 第三方插件</a:t>
+            </a:r>
+            <a:endParaRPr lang="zh-CN" altLang="en-US"/>
+          </a:p>
+          <a:p>
+            <a:r>
+              <a:rPr lang="zh-CN" altLang="en-US">
+                <a:sym typeface="+mn-ea"/>
+              </a:rPr>
+              <a:t>    - 控件 </a:t>
+            </a:r>
+            <a:r>
+              <a:rPr lang="en-US" altLang="zh-CN">
+                <a:sym typeface="+mn-ea"/>
+              </a:rPr>
+              <a:t>/ </a:t>
+            </a:r>
+            <a:r>
+              <a:rPr lang="zh-CN" altLang="en-US">
+                <a:sym typeface="+mn-ea"/>
+              </a:rPr>
+              <a:t>kendo</a:t>
+            </a:r>
+            <a:r>
+              <a:rPr lang="en-US" altLang="zh-CN">
+                <a:sym typeface="+mn-ea"/>
+              </a:rPr>
+              <a:t>UI</a:t>
+            </a:r>
+            <a:endParaRPr lang="en-US" altLang="zh-CN">
+              <a:sym typeface="+mn-ea"/>
+            </a:endParaRPr>
+          </a:p>
+          <a:p>
+            <a:r>
+              <a:rPr lang="zh-CN" altLang="en-US">
+                <a:sym typeface="+mn-ea"/>
+              </a:rPr>
+              <a:t>    - 数据绑定 </a:t>
+            </a:r>
+            <a:r>
+              <a:rPr lang="en-US" altLang="zh-CN">
+                <a:sym typeface="+mn-ea"/>
+              </a:rPr>
+              <a:t>/ </a:t>
+            </a:r>
+            <a:r>
+              <a:rPr lang="zh-CN" altLang="en-US">
+                <a:sym typeface="+mn-ea"/>
+              </a:rPr>
+              <a:t>knockout</a:t>
+            </a:r>
+            <a:r>
+              <a:rPr lang="en-US" altLang="zh-CN">
+                <a:sym typeface="+mn-ea"/>
+              </a:rPr>
+              <a:t>JS</a:t>
+            </a:r>
+            <a:endParaRPr lang="en-US" altLang="zh-CN">
+              <a:sym typeface="+mn-ea"/>
+            </a:endParaRPr>
+          </a:p>
+          <a:p>
             <a:endParaRPr lang="zh-CN" altLang="en-US"/>
           </a:p>
           <a:p>
             <a:r>
               <a:rPr lang="zh-CN" altLang="en-US"/>
-              <a:t>- nodejs</a:t>
-            </a:r>
-            <a:endParaRPr lang="zh-CN" altLang="en-US"/>
-          </a:p>
-          <a:p>
+              <a:t>- 运行环境</a:t>
+            </a:r>
             <a:endParaRPr lang="zh-CN" altLang="en-US"/>
           </a:p>
           <a:p>
             <a:r>
               <a:rPr lang="zh-CN" altLang="en-US"/>
-              <a:t>- kendoui</a:t>
-            </a:r>
-            <a:endParaRPr lang="zh-CN" altLang="en-US"/>
-          </a:p>
-          <a:p>
+              <a:t>    - chrome</a:t>
+            </a:r>
             <a:endParaRPr lang="zh-CN" altLang="en-US"/>
           </a:p>
           <a:p>
             <a:r>
               <a:rPr lang="zh-CN" altLang="en-US"/>
-              <a:t>- knockoutjs</a:t>
-            </a:r>
+              <a:t>    - .net</a:t>
+            </a:r>
+            <a:endParaRPr lang="zh-CN" altLang="en-US"/>
+          </a:p>
+          <a:p>
+            <a:r>
+              <a:rPr lang="zh-CN" altLang="en-US"/>
+              <a:t>    - sql server</a:t>
+            </a:r>
+            <a:endParaRPr lang="zh-CN" altLang="en-US"/>
+          </a:p>
+          <a:p>
+            <a:r>
+              <a:rPr lang="zh-CN" altLang="en-US"/>
+              <a:t>    - sql lite</a:t>
+            </a:r>
+            <a:endParaRPr lang="zh-CN" altLang="en-US"/>
+          </a:p>
+          <a:p>
+            <a:r>
+              <a:rPr lang="zh-CN" altLang="en-US"/>
+              <a:t>    - nodejs	</a:t>
+            </a:r>
+            <a:endParaRPr lang="zh-CN" altLang="en-US"/>
+          </a:p>
+          <a:p>
             <a:endParaRPr lang="zh-CN" altLang="en-US"/>
           </a:p>
         </p:txBody>
@@ -9109,7 +10738,7 @@
         <p:spPr>
           <a:xfrm>
             <a:off x="1727200" y="1048385"/>
-            <a:ext cx="10903585" cy="5854700"/>
+            <a:ext cx="4326890" cy="3111500"/>
           </a:xfrm>
           <a:prstGeom prst="rect">
             <a:avLst/>
@@ -9122,148 +10751,210 @@
           </a:bodyPr>
           <a:p>
             <a:r>
+              <a:rPr lang="en-US" altLang="zh-CN">
+                <a:solidFill>
+                  <a:schemeClr val="tx1"/>
+                </a:solidFill>
+                <a:sym typeface="+mn-ea"/>
+              </a:rPr>
+              <a:t>##</a:t>
+            </a:r>
+            <a:r>
+              <a:rPr lang="zh-CN" altLang="en-US">
+                <a:solidFill>
+                  <a:schemeClr val="tx1"/>
+                </a:solidFill>
+              </a:rPr>
+              <a:t> 了解全貌</a:t>
+            </a:r>
+            <a:endParaRPr lang="zh-CN" altLang="en-US">
+              <a:solidFill>
+                <a:schemeClr val="tx1"/>
+              </a:solidFill>
+            </a:endParaRPr>
+          </a:p>
+          <a:p>
+            <a:r>
+              <a:rPr lang="en-US" altLang="zh-CN">
+                <a:solidFill>
+                  <a:schemeClr val="tx1"/>
+                </a:solidFill>
+              </a:rPr>
+              <a:t>    - </a:t>
+            </a:r>
+            <a:r>
+              <a:rPr lang="zh-CN" altLang="en-US">
+                <a:solidFill>
+                  <a:schemeClr val="tx1"/>
+                </a:solidFill>
+                <a:sym typeface="+mn-ea"/>
+              </a:rPr>
+              <a:t>子系统 / 第三方插件 </a:t>
+            </a:r>
+            <a:r>
+              <a:rPr lang="en-US" altLang="zh-CN">
+                <a:solidFill>
+                  <a:schemeClr val="tx1"/>
+                </a:solidFill>
+                <a:sym typeface="+mn-ea"/>
+              </a:rPr>
+              <a:t>/ </a:t>
+            </a:r>
+            <a:r>
+              <a:rPr lang="zh-CN" altLang="en-US">
+                <a:solidFill>
+                  <a:schemeClr val="tx1"/>
+                </a:solidFill>
+                <a:sym typeface="+mn-ea"/>
+              </a:rPr>
+              <a:t>运行环境</a:t>
+            </a:r>
+            <a:endParaRPr lang="zh-CN" altLang="en-US">
+              <a:solidFill>
+                <a:schemeClr val="tx1"/>
+              </a:solidFill>
+              <a:sym typeface="+mn-ea"/>
+            </a:endParaRPr>
+          </a:p>
+          <a:p>
+            <a:endParaRPr lang="zh-CN" altLang="en-US"/>
+          </a:p>
+          <a:p>
+            <a:r>
+              <a:rPr lang="en-US" altLang="zh-CN">
+                <a:solidFill>
+                  <a:schemeClr val="accent6">
+                    <a:lumMod val="75000"/>
+                  </a:schemeClr>
+                </a:solidFill>
+                <a:sym typeface="+mn-ea"/>
+              </a:rPr>
+              <a:t>##</a:t>
+            </a:r>
+            <a:r>
+              <a:rPr lang="zh-CN" altLang="en-US">
+                <a:solidFill>
+                  <a:schemeClr val="accent6">
+                    <a:lumMod val="75000"/>
+                  </a:schemeClr>
+                </a:solidFill>
+              </a:rPr>
+              <a:t> </a:t>
+            </a:r>
+            <a:r>
+              <a:rPr lang="zh-CN" altLang="en-US">
+                <a:solidFill>
+                  <a:schemeClr val="accent6">
+                    <a:lumMod val="75000"/>
+                  </a:schemeClr>
+                </a:solidFill>
+                <a:sym typeface="+mn-ea"/>
+              </a:rPr>
+              <a:t>快速了解某一部位</a:t>
+            </a:r>
+            <a:endParaRPr lang="zh-CN" altLang="en-US">
+              <a:solidFill>
+                <a:schemeClr val="accent6">
+                  <a:lumMod val="75000"/>
+                </a:schemeClr>
+              </a:solidFill>
+              <a:sym typeface="+mn-ea"/>
+            </a:endParaRPr>
+          </a:p>
+          <a:p>
+            <a:r>
+              <a:rPr lang="en-US" altLang="zh-CN">
+                <a:solidFill>
+                  <a:schemeClr val="accent6">
+                    <a:lumMod val="75000"/>
+                  </a:schemeClr>
+                </a:solidFill>
+              </a:rPr>
+              <a:t>    - </a:t>
+            </a:r>
+            <a:r>
+              <a:rPr lang="zh-CN" altLang="en-US">
+                <a:solidFill>
+                  <a:schemeClr val="accent6">
+                    <a:lumMod val="75000"/>
+                  </a:schemeClr>
+                </a:solidFill>
+                <a:sym typeface="+mn-ea"/>
+              </a:rPr>
+              <a:t>构建迭代环境（工具，方法，文档）</a:t>
+            </a:r>
+            <a:endParaRPr lang="zh-CN" altLang="en-US">
+              <a:solidFill>
+                <a:schemeClr val="accent6">
+                  <a:lumMod val="75000"/>
+                </a:schemeClr>
+              </a:solidFill>
+              <a:sym typeface="+mn-ea"/>
+            </a:endParaRPr>
+          </a:p>
+          <a:p>
+            <a:endParaRPr lang="zh-CN" altLang="en-US"/>
+          </a:p>
+          <a:p>
+            <a:r>
+              <a:rPr lang="en-US" altLang="zh-CN">
+                <a:sym typeface="+mn-ea"/>
+              </a:rPr>
+              <a:t>## </a:t>
+            </a:r>
+            <a:r>
+              <a:rPr lang="zh-CN" altLang="zh-CN">
+                <a:sym typeface="+mn-ea"/>
+              </a:rPr>
+              <a:t>找到病灶</a:t>
+            </a:r>
+            <a:endParaRPr lang="zh-CN" altLang="zh-CN">
+              <a:sym typeface="+mn-ea"/>
+            </a:endParaRPr>
+          </a:p>
+          <a:p>
+            <a:r>
               <a:rPr lang="zh-CN" altLang="en-US"/>
-              <a:t>- chrome</a:t>
-            </a:r>
-            <a:endParaRPr lang="zh-CN" altLang="en-US"/>
-          </a:p>
-          <a:p>
+              <a:t>    </a:t>
+            </a:r>
+            <a:r>
+              <a:rPr lang="en-US" altLang="zh-CN"/>
+              <a:t>- </a:t>
+            </a:r>
             <a:r>
               <a:rPr lang="zh-CN" altLang="en-US"/>
-              <a:t>	- elementes</a:t>
-            </a:r>
-            <a:endParaRPr lang="zh-CN" altLang="en-US"/>
-          </a:p>
-          <a:p>
+              <a:t>问题定位</a:t>
+            </a:r>
+            <a:endParaRPr lang="zh-CN" altLang="en-US"/>
+          </a:p>
+          <a:p>
+            <a:r>
+              <a:rPr lang="en-US" altLang="zh-CN"/>
+              <a:t>     </a:t>
+            </a:r>
+            <a:endParaRPr lang="en-US" altLang="zh-CN"/>
+          </a:p>
+          <a:p>
+            <a:r>
+              <a:rPr lang="en-US" altLang="zh-CN">
+                <a:sym typeface="+mn-ea"/>
+              </a:rPr>
+              <a:t>##</a:t>
+            </a:r>
             <a:r>
               <a:rPr lang="zh-CN" altLang="en-US"/>
-              <a:t>		- css (2 filters)</a:t>
-            </a:r>
-            <a:endParaRPr lang="zh-CN" altLang="en-US"/>
-          </a:p>
-          <a:p>
+              <a:t> 特殊病症</a:t>
+            </a:r>
+            <a:endParaRPr lang="zh-CN" altLang="en-US"/>
+          </a:p>
+          <a:p>
+            <a:r>
+              <a:rPr lang="en-US" altLang="zh-CN"/>
+              <a:t>    - </a:t>
+            </a:r>
             <a:r>
               <a:rPr lang="zh-CN" altLang="en-US"/>
-              <a:t>		- dom </a:t>
-            </a:r>
-            <a:endParaRPr lang="zh-CN" altLang="en-US"/>
-          </a:p>
-          <a:p>
-            <a:r>
-              <a:rPr lang="zh-CN" altLang="en-US"/>
-              <a:t>		- event listner / dom break point</a:t>
-            </a:r>
-            <a:endParaRPr lang="zh-CN" altLang="en-US"/>
-          </a:p>
-          <a:p>
-            <a:r>
-              <a:rPr lang="zh-CN" altLang="en-US"/>
-              <a:t>		- responsive</a:t>
-            </a:r>
-            <a:endParaRPr lang="zh-CN" altLang="en-US"/>
-          </a:p>
-          <a:p>
-            <a:r>
-              <a:rPr lang="zh-CN" altLang="en-US"/>
-              <a:t>	- console</a:t>
-            </a:r>
-            <a:endParaRPr lang="zh-CN" altLang="en-US"/>
-          </a:p>
-          <a:p>
-            <a:r>
-              <a:rPr lang="zh-CN" altLang="en-US"/>
-              <a:t>		- profiler</a:t>
-            </a:r>
-            <a:endParaRPr lang="zh-CN" altLang="en-US"/>
-          </a:p>
-          <a:p>
-            <a:r>
-              <a:rPr lang="zh-CN" altLang="en-US"/>
-              <a:t>		- log request</a:t>
-            </a:r>
-            <a:endParaRPr lang="zh-CN" altLang="en-US"/>
-          </a:p>
-          <a:p>
-            <a:r>
-              <a:rPr lang="zh-CN" altLang="en-US"/>
-              <a:t>	- source</a:t>
-            </a:r>
-            <a:endParaRPr lang="zh-CN" altLang="en-US"/>
-          </a:p>
-          <a:p>
-            <a:r>
-              <a:rPr lang="zh-CN" altLang="en-US"/>
-              <a:t>		- pause on exception (first exception?)</a:t>
-            </a:r>
-            <a:endParaRPr lang="zh-CN" altLang="en-US"/>
-          </a:p>
-          <a:p>
-            <a:r>
-              <a:rPr lang="zh-CN" altLang="en-US"/>
-              <a:t>		- black box</a:t>
-            </a:r>
-            <a:endParaRPr lang="zh-CN" altLang="en-US"/>
-          </a:p>
-          <a:p>
-            <a:r>
-              <a:rPr lang="zh-CN" altLang="en-US"/>
-              <a:t>		- format</a:t>
-            </a:r>
-            <a:endParaRPr lang="zh-CN" altLang="en-US"/>
-          </a:p>
-          <a:p>
-            <a:r>
-              <a:rPr lang="zh-CN" altLang="en-US"/>
-              <a:t>		- edit</a:t>
-            </a:r>
-            <a:endParaRPr lang="zh-CN" altLang="en-US"/>
-          </a:p>
-          <a:p>
-            <a:r>
-              <a:rPr lang="zh-CN" altLang="en-US"/>
-              <a:t>		- mapping project???????</a:t>
-            </a:r>
-            <a:endParaRPr lang="zh-CN" altLang="en-US"/>
-          </a:p>
-          <a:p>
-            <a:r>
-              <a:rPr lang="zh-CN" altLang="en-US"/>
-              <a:t>	- network</a:t>
-            </a:r>
-            <a:endParaRPr lang="zh-CN" altLang="en-US"/>
-          </a:p>
-          <a:p>
-            <a:r>
-              <a:rPr lang="zh-CN" altLang="en-US"/>
-              <a:t>		- bottle neck</a:t>
-            </a:r>
-            <a:endParaRPr lang="zh-CN" altLang="en-US"/>
-          </a:p>
-          <a:p>
-            <a:r>
-              <a:rPr lang="zh-CN" altLang="en-US"/>
-              <a:t>	- source-map</a:t>
-            </a:r>
-            <a:endParaRPr lang="zh-CN" altLang="en-US"/>
-          </a:p>
-          <a:p>
-            <a:r>
-              <a:rPr lang="zh-CN" altLang="en-US"/>
-              <a:t>		- [原理](http://www.ruanyifeng.com/blog/2013/01/javascript_source_map.html)</a:t>
-            </a:r>
-            <a:endParaRPr lang="zh-CN" altLang="en-US"/>
-          </a:p>
-          <a:p>
-            <a:r>
-              <a:rPr lang="zh-CN" altLang="en-US"/>
-              <a:t>	- resources</a:t>
-            </a:r>
-            <a:endParaRPr lang="zh-CN" altLang="en-US"/>
-          </a:p>
-          <a:p>
-            <a:r>
-              <a:rPr lang="zh-CN" altLang="en-US"/>
-              <a:t>	- others</a:t>
+              <a:t>性能问题调试 工具 / 技巧</a:t>
             </a:r>
             <a:endParaRPr lang="zh-CN" altLang="en-US"/>
           </a:p>
@@ -9531,7 +11222,7 @@
         <p:spPr>
           <a:xfrm>
             <a:off x="1727200" y="1048385"/>
-            <a:ext cx="5069205" cy="2014220"/>
+            <a:ext cx="5069205" cy="1739900"/>
           </a:xfrm>
           <a:prstGeom prst="rect">
             <a:avLst/>
@@ -9545,6 +11236,56 @@
           <a:p>
             <a:r>
               <a:rPr lang="zh-CN" altLang="en-US"/>
+              <a:t>## 构建</a:t>
+            </a:r>
+            <a:r>
+              <a:rPr lang="zh-CN" altLang="en-US">
+                <a:solidFill>
+                  <a:schemeClr val="tx1"/>
+                </a:solidFill>
+                <a:sym typeface="+mn-ea"/>
+              </a:rPr>
+              <a:t>迭代</a:t>
+            </a:r>
+            <a:r>
+              <a:rPr lang="zh-CN" altLang="en-US">
+                <a:solidFill>
+                  <a:schemeClr val="accent6">
+                    <a:lumMod val="75000"/>
+                  </a:schemeClr>
+                </a:solidFill>
+                <a:sym typeface="+mn-ea"/>
+              </a:rPr>
+              <a:t>环境</a:t>
+            </a:r>
+            <a:endParaRPr lang="zh-CN" altLang="en-US">
+              <a:solidFill>
+                <a:schemeClr val="accent6">
+                  <a:lumMod val="75000"/>
+                </a:schemeClr>
+              </a:solidFill>
+              <a:sym typeface="+mn-ea"/>
+            </a:endParaRPr>
+          </a:p>
+          <a:p>
+            <a:r>
+              <a:rPr lang="zh-CN" altLang="en-US">
+                <a:solidFill>
+                  <a:schemeClr val="tx1"/>
+                </a:solidFill>
+              </a:rPr>
+              <a:t>- chrome</a:t>
+            </a:r>
+            <a:endParaRPr lang="en-US" altLang="zh-CN">
+              <a:solidFill>
+                <a:schemeClr val="tx1"/>
+              </a:solidFill>
+              <a:sym typeface="+mn-ea"/>
+            </a:endParaRPr>
+          </a:p>
+          <a:p>
+            <a:r>
+              <a:rPr lang="zh-CN" altLang="en-US"/>
               <a:t>- .net</a:t>
             </a:r>
             <a:endParaRPr lang="zh-CN" altLang="en-US"/>
@@ -9552,50 +11293,21 @@
           <a:p>
             <a:r>
               <a:rPr lang="zh-CN" altLang="en-US"/>
-              <a:t>	- postman</a:t>
-            </a:r>
-            <a:r>
-              <a:rPr lang="en-US" altLang="zh-CN"/>
-              <a:t>+webapi</a:t>
-            </a:r>
-            <a:endParaRPr lang="en-US" altLang="zh-CN"/>
+              <a:t>- sql server</a:t>
+            </a:r>
+            <a:endParaRPr lang="zh-CN" altLang="en-US"/>
           </a:p>
           <a:p>
             <a:r>
               <a:rPr lang="zh-CN" altLang="en-US"/>
-              <a:t>	- apiUtility64</a:t>
+              <a:t>- sql lite</a:t>
             </a:r>
             <a:endParaRPr lang="zh-CN" altLang="en-US"/>
           </a:p>
           <a:p>
             <a:r>
               <a:rPr lang="zh-CN" altLang="en-US"/>
-              <a:t>	- v</a:t>
-            </a:r>
-            <a:r>
-              <a:rPr lang="en-US" altLang="en-US"/>
-              <a:t>isual studio</a:t>
-            </a:r>
-            <a:endParaRPr lang="en-US" altLang="en-US"/>
-          </a:p>
-          <a:p>
-            <a:r>
-              <a:rPr lang="zh-CN" altLang="en-US"/>
-              <a:t>		- first throw exception </a:t>
-            </a:r>
-            <a:endParaRPr lang="zh-CN" altLang="en-US"/>
-          </a:p>
-          <a:p>
-            <a:r>
-              <a:rPr lang="zh-CN" altLang="en-US"/>
-              <a:t>		- 多线程调试</a:t>
-            </a:r>
-            <a:endParaRPr lang="zh-CN" altLang="en-US"/>
-          </a:p>
-          <a:p>
-            <a:r>
-              <a:rPr lang="zh-CN" altLang="en-US"/>
-              <a:t>	- windbug</a:t>
+              <a:t>- nodejs</a:t>
             </a:r>
             <a:endParaRPr lang="zh-CN" altLang="en-US"/>
           </a:p>
@@ -9863,7 +11575,7 @@
         <p:spPr>
           <a:xfrm>
             <a:off x="1727200" y="1048385"/>
-            <a:ext cx="8637905" cy="4483100"/>
+            <a:ext cx="5069205" cy="3385820"/>
           </a:xfrm>
           <a:prstGeom prst="rect">
             <a:avLst/>
@@ -9877,21 +11589,27 @@
           <a:p>
             <a:r>
               <a:rPr lang="zh-CN" altLang="en-US"/>
-              <a:t>- sql server</a:t>
-            </a:r>
+              <a:t>## 问题定位</a:t>
+            </a:r>
+            <a:endParaRPr lang="zh-CN" altLang="en-US"/>
+          </a:p>
+          <a:p>
             <a:endParaRPr lang="zh-CN" altLang="en-US"/>
           </a:p>
           <a:p>
             <a:r>
               <a:rPr lang="zh-CN" altLang="en-US"/>
-              <a:t>	- sql server profiler</a:t>
-            </a:r>
+              <a:t>- 持久化数据</a:t>
+            </a:r>
+            <a:endParaRPr lang="zh-CN" altLang="en-US"/>
+          </a:p>
+          <a:p>
             <a:endParaRPr lang="zh-CN" altLang="en-US"/>
           </a:p>
           <a:p>
             <a:r>
               <a:rPr lang="zh-CN" altLang="en-US"/>
-              <a:t>	- sql management</a:t>
+              <a:t>- 系统配置</a:t>
             </a:r>
             <a:endParaRPr lang="zh-CN" altLang="en-US"/>
           </a:p>
@@ -9901,74 +11619,31 @@
           <a:p>
             <a:r>
               <a:rPr lang="zh-CN" altLang="en-US"/>
-              <a:t>- sql lite</a:t>
-            </a:r>
+              <a:t>- 系统定位</a:t>
+            </a:r>
+            <a:endParaRPr lang="zh-CN" altLang="en-US"/>
+          </a:p>
+          <a:p>
             <a:endParaRPr lang="zh-CN" altLang="en-US"/>
           </a:p>
           <a:p>
             <a:r>
               <a:rPr lang="zh-CN" altLang="en-US"/>
-              <a:t>	- [sqllite](http://www.oschina.net/news/43608/5-popular-and-free-sqlite-management-tools)</a:t>
-            </a:r>
+              <a:t>- 美国测试环境</a:t>
+            </a:r>
+            <a:endParaRPr lang="zh-CN" altLang="en-US"/>
+          </a:p>
+          <a:p>
             <a:endParaRPr lang="zh-CN" altLang="en-US"/>
           </a:p>
           <a:p>
             <a:r>
               <a:rPr lang="zh-CN" altLang="en-US"/>
-              <a:t>	</a:t>
-            </a:r>
-            <a:endParaRPr lang="zh-CN" altLang="en-US"/>
-          </a:p>
-          <a:p>
-            <a:r>
-              <a:rPr lang="zh-CN" altLang="en-US"/>
-              <a:t>- nodejs</a:t>
-            </a:r>
-            <a:endParaRPr lang="zh-CN" altLang="en-US"/>
-          </a:p>
-          <a:p>
-            <a:r>
-              <a:rPr lang="zh-CN" altLang="en-US"/>
-              <a:t>	- executor grunt</a:t>
-            </a:r>
-            <a:endParaRPr lang="zh-CN" altLang="en-US"/>
-          </a:p>
-          <a:p>
-            <a:r>
-              <a:rPr lang="zh-CN" altLang="en-US"/>
-              <a:t>	- node-inspector</a:t>
-            </a:r>
-            <a:endParaRPr lang="zh-CN" altLang="en-US"/>
-          </a:p>
-          <a:p>
-            <a:endParaRPr lang="zh-CN" altLang="en-US"/>
-          </a:p>
-          <a:p>
-            <a:r>
-              <a:rPr lang="zh-CN" altLang="en-US"/>
-              <a:t>- kendoui</a:t>
-            </a:r>
-            <a:endParaRPr lang="zh-CN" altLang="en-US"/>
-          </a:p>
-          <a:p>
-            <a:r>
-              <a:rPr lang="zh-CN" altLang="en-US"/>
-              <a:t>	- chrome-extension： kendo ui </a:t>
-            </a:r>
-            <a:endParaRPr lang="zh-CN" altLang="en-US"/>
-          </a:p>
-          <a:p>
-            <a:r>
-              <a:rPr lang="zh-CN" altLang="en-US"/>
-              <a:t>- knockoutjs</a:t>
-            </a:r>
-            <a:endParaRPr lang="zh-CN" altLang="en-US"/>
-          </a:p>
-          <a:p>
-            <a:r>
-              <a:rPr lang="zh-CN" altLang="en-US"/>
-              <a:t>	- chrome-extension： knockoutjs context debugger</a:t>
-            </a:r>
+              <a:t>- 构建快速迭代环境 / 技巧</a:t>
+            </a:r>
+            <a:endParaRPr lang="zh-CN" altLang="en-US"/>
+          </a:p>
+          <a:p>
             <a:endParaRPr lang="zh-CN" altLang="en-US"/>
           </a:p>
         </p:txBody>
@@ -10235,7 +11910,7 @@
         <p:spPr>
           <a:xfrm>
             <a:off x="1727200" y="1048385"/>
-            <a:ext cx="5069205" cy="3385820"/>
+            <a:ext cx="5069205" cy="15181580"/>
           </a:xfrm>
           <a:prstGeom prst="rect">
             <a:avLst/>
@@ -10254,9 +11929,6 @@
             <a:endParaRPr lang="zh-CN" altLang="en-US"/>
           </a:p>
           <a:p>
-            <a:endParaRPr lang="zh-CN" altLang="en-US"/>
-          </a:p>
-          <a:p>
             <a:r>
               <a:rPr lang="zh-CN" altLang="en-US"/>
               <a:t>- 持久化数据</a:t>
@@ -10264,6 +11936,41 @@
             <a:endParaRPr lang="zh-CN" altLang="en-US"/>
           </a:p>
           <a:p>
+            <a:r>
+              <a:rPr lang="zh-CN" altLang="en-US"/>
+              <a:t>	- local storage</a:t>
+            </a:r>
+            <a:endParaRPr lang="zh-CN" altLang="en-US"/>
+          </a:p>
+          <a:p>
+            <a:r>
+              <a:rPr lang="zh-CN" altLang="en-US"/>
+              <a:t>	- net work log / xml http request log</a:t>
+            </a:r>
+            <a:endParaRPr lang="zh-CN" altLang="en-US"/>
+          </a:p>
+          <a:p>
+            <a:r>
+              <a:rPr lang="zh-CN" altLang="en-US"/>
+              <a:t>	- kendo UI extenstion</a:t>
+            </a:r>
+            <a:endParaRPr lang="zh-CN" altLang="en-US"/>
+          </a:p>
+          <a:p>
+            <a:r>
+              <a:rPr lang="zh-CN" altLang="en-US"/>
+              <a:t>	- knoutoutjs extenstion</a:t>
+            </a:r>
+            <a:endParaRPr lang="zh-CN" altLang="en-US"/>
+          </a:p>
+          <a:p>
+            <a:r>
+              <a:rPr lang="zh-CN" altLang="en-US"/>
+              <a:t>	- database</a:t>
+            </a:r>
+            <a:endParaRPr lang="zh-CN" altLang="en-US"/>
+          </a:p>
+          <a:p>
             <a:endParaRPr lang="zh-CN" altLang="en-US"/>
           </a:p>
           <a:p>
@@ -10274,6 +11981,139 @@
             <a:endParaRPr lang="zh-CN" altLang="en-US"/>
           </a:p>
           <a:p>
+            <a:r>
+              <a:rPr lang="zh-CN" altLang="en-US"/>
+              <a:t>	- sql lite</a:t>
+            </a:r>
+            <a:endParaRPr lang="zh-CN" altLang="en-US"/>
+          </a:p>
+          <a:p>
+            <a:r>
+              <a:rPr lang="zh-CN" altLang="en-US"/>
+              <a:t>		```</a:t>
+            </a:r>
+            <a:endParaRPr lang="zh-CN" altLang="en-US"/>
+          </a:p>
+          <a:p>
+            <a:r>
+              <a:rPr lang="zh-CN" altLang="en-US"/>
+              <a:t>		- dataSourceSpatial</a:t>
+            </a:r>
+            <a:endParaRPr lang="zh-CN" altLang="en-US"/>
+          </a:p>
+          <a:p>
+            <a:r>
+              <a:rPr lang="zh-CN" altLang="en-US"/>
+              <a:t>		地图调试入口</a:t>
+            </a:r>
+            <a:endParaRPr lang="zh-CN" altLang="en-US"/>
+          </a:p>
+          <a:p>
+            <a:r>
+              <a:rPr lang="zh-CN" altLang="en-US"/>
+              <a:t>		- special convert</a:t>
+            </a:r>
+            <a:endParaRPr lang="zh-CN" altLang="en-US"/>
+          </a:p>
+          <a:p>
+            <a:r>
+              <a:rPr lang="zh-CN" altLang="en-US"/>
+              <a:t>		Con = new SQLiteConnection(@"URI=file:" + SpatialPath);</a:t>
+            </a:r>
+            <a:endParaRPr lang="zh-CN" altLang="en-US"/>
+          </a:p>
+          <a:p>
+            <a:r>
+              <a:rPr lang="zh-CN" altLang="en-US"/>
+              <a:t>		- geo region connection</a:t>
+            </a:r>
+            <a:endParaRPr lang="zh-CN" altLang="en-US"/>
+          </a:p>
+          <a:p>
+            <a:r>
+              <a:rPr lang="zh-CN" altLang="en-US"/>
+              <a:t>		```</a:t>
+            </a:r>
+            <a:endParaRPr lang="zh-CN" altLang="en-US"/>
+          </a:p>
+          <a:p>
+            <a:r>
+              <a:rPr lang="zh-CN" altLang="en-US"/>
+              <a:t>		</a:t>
+            </a:r>
+            <a:endParaRPr lang="zh-CN" altLang="en-US"/>
+          </a:p>
+          <a:p>
+            <a:r>
+              <a:rPr lang="zh-CN" altLang="en-US"/>
+              <a:t>	- gps 数据库mapping</a:t>
+            </a:r>
+            <a:endParaRPr lang="zh-CN" altLang="en-US"/>
+          </a:p>
+          <a:p>
+            <a:r>
+              <a:rPr lang="zh-CN" altLang="en-US"/>
+              <a:t>		```</a:t>
+            </a:r>
+            <a:endParaRPr lang="zh-CN" altLang="en-US"/>
+          </a:p>
+          <a:p>
+            <a:r>
+              <a:rPr lang="zh-CN" altLang="en-US"/>
+              <a:t>		acs.vehicle.name =&gt; gps.vehicle.id</a:t>
+            </a:r>
+            <a:endParaRPr lang="zh-CN" altLang="en-US"/>
+          </a:p>
+          <a:p>
+            <a:r>
+              <a:rPr lang="zh-CN" altLang="en-US"/>
+              <a:t>		acs.vehicle.gpsid =&gt; gps.vehicle.ExternalID</a:t>
+            </a:r>
+            <a:endParaRPr lang="zh-CN" altLang="en-US"/>
+          </a:p>
+          <a:p>
+            <a:r>
+              <a:rPr lang="zh-CN" altLang="en-US"/>
+              <a:t>		TFGPS.INI </a:t>
+            </a:r>
+            <a:endParaRPr lang="zh-CN" altLang="en-US"/>
+          </a:p>
+          <a:p>
+            <a:r>
+              <a:rPr lang="zh-CN" altLang="en-US"/>
+              <a:t>		```</a:t>
+            </a:r>
+            <a:endParaRPr lang="zh-CN" altLang="en-US"/>
+          </a:p>
+          <a:p>
+            <a:r>
+              <a:rPr lang="zh-CN" altLang="en-US"/>
+              <a:t>	</a:t>
+            </a:r>
+            <a:endParaRPr lang="zh-CN" altLang="en-US"/>
+          </a:p>
+          <a:p>
+            <a:r>
+              <a:rPr lang="zh-CN" altLang="en-US"/>
+              <a:t>	- orm mapping</a:t>
+            </a:r>
+            <a:endParaRPr lang="zh-CN" altLang="en-US"/>
+          </a:p>
+          <a:p>
+            <a:r>
+              <a:rPr lang="zh-CN" altLang="en-US"/>
+              <a:t>		&gt; 2 PersistenceInfoProvider.cs files acs/extension</a:t>
+            </a:r>
+            <a:endParaRPr lang="zh-CN" altLang="en-US"/>
+          </a:p>
+          <a:p>
+            <a:r>
+              <a:rPr lang="zh-CN" altLang="en-US"/>
+              <a:t>	</a:t>
+            </a:r>
+            <a:endParaRPr lang="zh-CN" altLang="en-US"/>
+          </a:p>
+          <a:p>
             <a:endParaRPr lang="zh-CN" altLang="en-US"/>
           </a:p>
           <a:p>
@@ -10294,6 +12134,13 @@
             <a:endParaRPr lang="zh-CN" altLang="en-US"/>
           </a:p>
           <a:p>
+            <a:r>
+              <a:rPr lang="zh-CN" altLang="en-US"/>
+              <a:t>	- viewfinder buildagent</a:t>
+            </a:r>
+            <a:endParaRPr lang="zh-CN" altLang="en-US"/>
+          </a:p>
+          <a:p>
             <a:endParaRPr lang="zh-CN" altLang="en-US"/>
           </a:p>
           <a:p>
@@ -10304,6 +12151,99 @@
             <a:endParaRPr lang="zh-CN" altLang="en-US"/>
           </a:p>
           <a:p>
+            <a:r>
+              <a:rPr lang="zh-CN" altLang="en-US"/>
+              <a:t>	- 前端环境</a:t>
+            </a:r>
+            <a:endParaRPr lang="zh-CN" altLang="en-US"/>
+          </a:p>
+          <a:p>
+            <a:endParaRPr lang="zh-CN" altLang="en-US"/>
+          </a:p>
+          <a:p>
+            <a:r>
+              <a:rPr lang="zh-CN" altLang="en-US"/>
+              <a:t>	- kendo UI 环境</a:t>
+            </a:r>
+            <a:endParaRPr lang="zh-CN" altLang="en-US"/>
+          </a:p>
+          <a:p>
+            <a:endParaRPr lang="zh-CN" altLang="en-US"/>
+          </a:p>
+          <a:p>
+            <a:r>
+              <a:rPr lang="zh-CN" altLang="en-US"/>
+              <a:t>	- webapi环境</a:t>
+            </a:r>
+            <a:endParaRPr lang="zh-CN" altLang="en-US"/>
+          </a:p>
+          <a:p>
+            <a:endParaRPr lang="zh-CN" altLang="en-US"/>
+          </a:p>
+          <a:p>
+            <a:r>
+              <a:rPr lang="zh-CN" altLang="en-US"/>
+              <a:t>	- 数据库环境</a:t>
+            </a:r>
+            <a:endParaRPr lang="zh-CN" altLang="en-US"/>
+          </a:p>
+          <a:p>
+            <a:endParaRPr lang="zh-CN" altLang="en-US"/>
+          </a:p>
+          <a:p>
+            <a:r>
+              <a:rPr lang="zh-CN" altLang="en-US"/>
+              <a:t>	- CI环境</a:t>
+            </a:r>
+            <a:endParaRPr lang="zh-CN" altLang="en-US"/>
+          </a:p>
+          <a:p>
+            <a:r>
+              <a:rPr lang="zh-CN" altLang="en-US"/>
+              <a:t>	</a:t>
+            </a:r>
+            <a:endParaRPr lang="zh-CN" altLang="en-US"/>
+          </a:p>
+          <a:p>
+            <a:r>
+              <a:rPr lang="zh-CN" altLang="en-US"/>
+              <a:t>	- 其它</a:t>
+            </a:r>
+            <a:endParaRPr lang="zh-CN" altLang="en-US"/>
+          </a:p>
+          <a:p>
+            <a:r>
+              <a:rPr lang="zh-CN" altLang="en-US"/>
+              <a:t>		- regex</a:t>
+            </a:r>
+            <a:endParaRPr lang="zh-CN" altLang="en-US"/>
+          </a:p>
+          <a:p>
+            <a:r>
+              <a:rPr lang="zh-CN" altLang="en-US"/>
+              <a:t>		- json</a:t>
+            </a:r>
+            <a:endParaRPr lang="zh-CN" altLang="en-US"/>
+          </a:p>
+          <a:p>
+            <a:r>
+              <a:rPr lang="zh-CN" altLang="en-US"/>
+              <a:t>		</a:t>
+            </a:r>
+            <a:endParaRPr lang="zh-CN" altLang="en-US"/>
+          </a:p>
+          <a:p>
+            <a:r>
+              <a:rPr lang="zh-CN" altLang="en-US"/>
+              <a:t>	- git	</a:t>
+            </a:r>
+            <a:endParaRPr lang="zh-CN" altLang="en-US"/>
+          </a:p>
+          <a:p>
+            <a:r>
+              <a:rPr lang="zh-CN" altLang="en-US"/>
+              <a:t>		- 回退代码</a:t>
+            </a:r>
             <a:endParaRPr lang="zh-CN" altLang="en-US"/>
           </a:p>
         </p:txBody>
@@ -10870,4 +12810,265 @@
     </a:ext>
   </a:extLst>
 </a:theme>
+</file>
+
+<file path=ppt/theme/theme3.xml><?xml version="1.0" encoding="utf-8"?>
+<a:theme xmlns:a="http://schemas.openxmlformats.org/drawingml/2006/main" name="Office 主题">
+  <a:themeElements>
+    <a:clrScheme name="Office">
+      <a:dk1>
+        <a:sysClr val="windowText" lastClr="000000"/>
+      </a:dk1>
+      <a:lt1>
+        <a:sysClr val="window" lastClr="FFFFFF"/>
+      </a:lt1>
+      <a:dk2>
+        <a:srgbClr val="44546A"/>
+      </a:dk2>
+      <a:lt2>
+        <a:srgbClr val="E7E6E6"/>
+      </a:lt2>
+      <a:accent1>
+        <a:srgbClr val="5B9BD5"/>
+      </a:accent1>
+      <a:accent2>
+        <a:srgbClr val="ED7D31"/>
+      </a:accent2>
+      <a:accent3>
+        <a:srgbClr val="A5A5A5"/>
+      </a:accent3>
+      <a:accent4>
+        <a:srgbClr val="FFC000"/>
+      </a:accent4>
+      <a:accent5>
+        <a:srgbClr val="4472C4"/>
+      </a:accent5>
+      <a:accent6>
+        <a:srgbClr val="70AD47"/>
+      </a:accent6>
+      <a:hlink>
+        <a:srgbClr val="0563C1"/>
+      </a:hlink>
+      <a:folHlink>
+        <a:srgbClr val="954F72"/>
+      </a:folHlink>
+    </a:clrScheme>
+    <a:fontScheme name="Office">
+      <a:majorFont>
+        <a:latin typeface="Calibri Light"/>
+        <a:ea typeface=""/>
+        <a:cs typeface=""/>
+        <a:font script="Jpan" typeface="ＭＳ Ｐゴシック"/>
+        <a:font script="Hang" typeface="맑은 고딕"/>
+        <a:font script="Hans" typeface="宋体"/>
+        <a:font script="Hant" typeface="新細明體"/>
+        <a:font script="Arab" typeface="Times New Roman"/>
+        <a:font script="Hebr" typeface="Times New Roman"/>
+        <a:font script="Thai" typeface="Angsana New"/>
+        <a:font script="Ethi" typeface="Nyala"/>
+        <a:font script="Beng" typeface="Vrinda"/>
+        <a:font script="Gujr" typeface="Shruti"/>
+        <a:font script="Khmr" typeface="MoolBoran"/>
+        <a:font script="Knda" typeface="Tunga"/>
+        <a:font script="Guru" typeface="Raavi"/>
+        <a:font script="Cans" typeface="Euphemia"/>
+        <a:font script="Cher" typeface="Plantagenet Cherokee"/>
+        <a:font script="Yiii" typeface="Microsoft Yi Baiti"/>
+        <a:font script="Tibt" typeface="Microsoft Himalaya"/>
+        <a:font script="Thaa" typeface="MV Boli"/>
+        <a:font script="Deva" typeface="Mangal"/>
+        <a:font script="Telu" typeface="Gautami"/>
+        <a:font script="Taml" typeface="Latha"/>
+        <a:font script="Syrc" typeface="Estrangelo Edessa"/>
+        <a:font script="Orya" typeface="Kalinga"/>
+        <a:font script="Mlym" typeface="Kartika"/>
+        <a:font script="Laoo" typeface="DokChampa"/>
+        <a:font script="Sinh" typeface="Iskoola Pota"/>
+        <a:font script="Mong" typeface="Mongolian Baiti"/>
+        <a:font script="Viet" typeface="Times New Roman"/>
+        <a:font script="Uigh" typeface="Microsoft Uighur"/>
+        <a:font script="Geor" typeface="Sylfaen"/>
+      </a:majorFont>
+      <a:minorFont>
+        <a:latin typeface="Calibri"/>
+        <a:ea typeface=""/>
+        <a:cs typeface=""/>
+        <a:font script="Jpan" typeface="ＭＳ Ｐゴシック"/>
+        <a:font script="Hang" typeface="맑은 고딕"/>
+        <a:font script="Hans" typeface="宋体"/>
+        <a:font script="Hant" typeface="新細明體"/>
+        <a:font script="Arab" typeface="Arial"/>
+        <a:font script="Hebr" typeface="Arial"/>
+        <a:font script="Thai" typeface="Cordia New"/>
+        <a:font script="Ethi" typeface="Nyala"/>
+        <a:font script="Beng" typeface="Vrinda"/>
+        <a:font script="Gujr" typeface="Shruti"/>
+        <a:font script="Khmr" typeface="DaunPenh"/>
+        <a:font script="Knda" typeface="Tunga"/>
+        <a:font script="Guru" typeface="Raavi"/>
+        <a:font script="Cans" typeface="Euphemia"/>
+        <a:font script="Cher" typeface="Plantagenet Cherokee"/>
+        <a:font script="Yiii" typeface="Microsoft Yi Baiti"/>
+        <a:font script="Tibt" typeface="Microsoft Himalaya"/>
+        <a:font script="Thaa" typeface="MV Boli"/>
+        <a:font script="Deva" typeface="Mangal"/>
+        <a:font script="Telu" typeface="Gautami"/>
+        <a:font script="Taml" typeface="Latha"/>
+        <a:font script="Syrc" typeface="Estrangelo Edessa"/>
+        <a:font script="Orya" typeface="Kalinga"/>
+        <a:font script="Mlym" typeface="Kartika"/>
+        <a:font script="Laoo" typeface="DokChampa"/>
+        <a:font script="Sinh" typeface="Iskoola Pota"/>
+        <a:font script="Mong" typeface="Mongolian Baiti"/>
+        <a:font script="Viet" typeface="Arial"/>
+        <a:font script="Uigh" typeface="Microsoft Uighur"/>
+        <a:font script="Geor" typeface="Sylfaen"/>
+      </a:minorFont>
+    </a:fontScheme>
+    <a:fmtScheme name="Office">
+      <a:fillStyleLst>
+        <a:solidFill>
+          <a:schemeClr val="phClr"/>
+        </a:solidFill>
+        <a:gradFill rotWithShape="1">
+          <a:gsLst>
+            <a:gs pos="0">
+              <a:schemeClr val="phClr">
+                <a:lumMod val="110000"/>
+                <a:satMod val="105000"/>
+                <a:tint val="67000"/>
+              </a:schemeClr>
+            </a:gs>
+            <a:gs pos="50000">
+              <a:schemeClr val="phClr">
+                <a:lumMod val="105000"/>
+                <a:satMod val="103000"/>
+                <a:tint val="73000"/>
+              </a:schemeClr>
+            </a:gs>
+            <a:gs pos="100000">
+              <a:schemeClr val="phClr">
+                <a:lumMod val="105000"/>
+                <a:satMod val="109000"/>
+                <a:tint val="81000"/>
+              </a:schemeClr>
+            </a:gs>
+          </a:gsLst>
+          <a:lin ang="5400000" scaled="0"/>
+        </a:gradFill>
+        <a:gradFill rotWithShape="1">
+          <a:gsLst>
+            <a:gs pos="0">
+              <a:schemeClr val="phClr">
+                <a:satMod val="103000"/>
+                <a:lumMod val="102000"/>
+                <a:tint val="94000"/>
+              </a:schemeClr>
+            </a:gs>
+            <a:gs pos="50000">
+              <a:schemeClr val="phClr">
+                <a:satMod val="110000"/>
+                <a:lumMod val="100000"/>
+                <a:shade val="100000"/>
+              </a:schemeClr>
+            </a:gs>
+            <a:gs pos="100000">
+              <a:schemeClr val="phClr">
+                <a:lumMod val="99000"/>
+                <a:satMod val="120000"/>
+                <a:shade val="78000"/>
+              </a:schemeClr>
+            </a:gs>
+          </a:gsLst>
+          <a:lin ang="5400000" scaled="0"/>
+        </a:gradFill>
+      </a:fillStyleLst>
+      <a:lnStyleLst>
+        <a:ln w="6350" cap="flat" cmpd="sng" algn="ctr">
+          <a:solidFill>
+            <a:schemeClr val="phClr"/>
+          </a:solidFill>
+          <a:prstDash val="solid"/>
+          <a:miter lim="800000"/>
+        </a:ln>
+        <a:ln w="12700" cap="flat" cmpd="sng" algn="ctr">
+          <a:solidFill>
+            <a:schemeClr val="phClr"/>
+          </a:solidFill>
+          <a:prstDash val="solid"/>
+          <a:miter lim="800000"/>
+        </a:ln>
+        <a:ln w="19050" cap="flat" cmpd="sng" algn="ctr">
+          <a:solidFill>
+            <a:schemeClr val="phClr"/>
+          </a:solidFill>
+          <a:prstDash val="solid"/>
+          <a:miter lim="800000"/>
+        </a:ln>
+      </a:lnStyleLst>
+      <a:effectStyleLst>
+        <a:effectStyle>
+          <a:effectLst/>
+        </a:effectStyle>
+        <a:effectStyle>
+          <a:effectLst/>
+        </a:effectStyle>
+        <a:effectStyle>
+          <a:effectLst>
+            <a:outerShdw blurRad="57150" dist="19050" dir="5400000" algn="ctr" rotWithShape="0">
+              <a:srgbClr val="000000">
+                <a:alpha val="63000"/>
+              </a:srgbClr>
+            </a:outerShdw>
+          </a:effectLst>
+        </a:effectStyle>
+      </a:effectStyleLst>
+      <a:bgFillStyleLst>
+        <a:solidFill>
+          <a:schemeClr val="phClr"/>
+        </a:solidFill>
+        <a:solidFill>
+          <a:schemeClr val="phClr">
+            <a:tint val="95000"/>
+            <a:satMod val="170000"/>
+          </a:schemeClr>
+        </a:solidFill>
+        <a:gradFill rotWithShape="1">
+          <a:gsLst>
+            <a:gs pos="0">
+              <a:schemeClr val="phClr">
+                <a:tint val="93000"/>
+                <a:satMod val="150000"/>
+                <a:shade val="98000"/>
+                <a:lumMod val="102000"/>
+              </a:schemeClr>
+            </a:gs>
+            <a:gs pos="50000">
+              <a:schemeClr val="phClr">
+                <a:tint val="98000"/>
+                <a:satMod val="130000"/>
+                <a:shade val="90000"/>
+                <a:lumMod val="103000"/>
+              </a:schemeClr>
+            </a:gs>
+            <a:gs pos="100000">
+              <a:schemeClr val="phClr">
+                <a:shade val="63000"/>
+                <a:satMod val="120000"/>
+              </a:schemeClr>
+            </a:gs>
+          </a:gsLst>
+          <a:lin ang="5400000" scaled="0"/>
+        </a:gradFill>
+      </a:bgFillStyleLst>
+    </a:fmtScheme>
+  </a:themeElements>
+  <a:objectDefaults/>
+  <a:extraClrSchemeLst/>
+  <a:extLst>
+    <a:ext uri="{05A4C25C-085E-4340-85A3-A5531E510DB2}">
+      <thm15:themeFamily xmlns:thm15="http://schemas.microsoft.com/office/thememl/2012/main" name="Office Theme" id="{62F939B6-93AF-4DB8-9C6B-D6C7DFDC589F}" vid="{4A3C46E8-61CC-4603-A589-7422A47A8E4A}"/>
+    </a:ext>
+  </a:extLst>
+</a:theme>
 </file>
--- a/examples/how-to-debug-website/how-to-debug-viewfinder.pptx
+++ b/examples/how-to-debug-website/how-to-debug-viewfinder.pptx
@@ -787,13 +787,7 @@
               <a:rPr lang="en-US" altLang="zh-CN">
                 <a:sym typeface="+mn-ea"/>
               </a:rPr>
-              <a:t>Something U Must Know</a:t>
-            </a:r>
-            <a:r>
-              <a:rPr lang="en-US" altLang="zh-CN">
-                <a:sym typeface="+mn-ea"/>
-              </a:rPr>
-              <a:t> (1)</a:t>
+              <a:t>Something U Must Know (1)</a:t>
             </a:r>
             <a:endParaRPr lang="en-US" altLang="zh-CN">
               <a:sym typeface="+mn-ea"/>
@@ -830,7 +824,7 @@
                 </a:solidFill>
                 <a:sym typeface="+mn-ea"/>
               </a:rPr>
-              <a:t>	Filters (Jquery CSS Selector) </a:t>
+              <a:t>    - Filters (Jquery CSS Selector) </a:t>
             </a:r>
             <a:endParaRPr lang="en-US" altLang="zh-CN">
               <a:solidFill>
@@ -851,7 +845,18 @@
                 </a:solidFill>
                 <a:sym typeface="+mn-ea"/>
               </a:rPr>
-              <a:t>	Dom Edit</a:t>
+              <a:t>    - </a:t>
+            </a:r>
+            <a:r>
+              <a:rPr lang="en-US" altLang="zh-CN">
+                <a:solidFill>
+                  <a:schemeClr val="accent6">
+                    <a:lumMod val="75000"/>
+                  </a:schemeClr>
+                </a:solidFill>
+                <a:sym typeface="+mn-ea"/>
+              </a:rPr>
+              <a:t>Dom Edit</a:t>
             </a:r>
             <a:endParaRPr lang="en-US" altLang="zh-CN">
               <a:solidFill>
@@ -872,7 +877,18 @@
                 </a:solidFill>
                 <a:sym typeface="+mn-ea"/>
               </a:rPr>
-              <a:t>	Event Listiner</a:t>
+              <a:t>    - </a:t>
+            </a:r>
+            <a:r>
+              <a:rPr lang="en-US" altLang="zh-CN">
+                <a:solidFill>
+                  <a:schemeClr val="accent6">
+                    <a:lumMod val="75000"/>
+                  </a:schemeClr>
+                </a:solidFill>
+                <a:sym typeface="+mn-ea"/>
+              </a:rPr>
+              <a:t>Event Listiner</a:t>
             </a:r>
             <a:endParaRPr lang="en-US" altLang="zh-CN">
               <a:solidFill>
@@ -893,7 +909,18 @@
                 </a:solidFill>
                 <a:sym typeface="+mn-ea"/>
               </a:rPr>
-              <a:t>	Dom Break Point</a:t>
+              <a:t>    - </a:t>
+            </a:r>
+            <a:r>
+              <a:rPr lang="en-US" altLang="zh-CN">
+                <a:solidFill>
+                  <a:schemeClr val="accent6">
+                    <a:lumMod val="75000"/>
+                  </a:schemeClr>
+                </a:solidFill>
+                <a:sym typeface="+mn-ea"/>
+              </a:rPr>
+              <a:t>Dom Break Point</a:t>
             </a:r>
             <a:endParaRPr lang="en-US" altLang="zh-CN">
               <a:solidFill>
@@ -914,7 +941,18 @@
                 </a:solidFill>
                 <a:sym typeface="+mn-ea"/>
               </a:rPr>
-              <a:t>	Responsive Design</a:t>
+              <a:t>    - </a:t>
+            </a:r>
+            <a:r>
+              <a:rPr lang="en-US" altLang="zh-CN">
+                <a:solidFill>
+                  <a:schemeClr val="accent6">
+                    <a:lumMod val="75000"/>
+                  </a:schemeClr>
+                </a:solidFill>
+                <a:sym typeface="+mn-ea"/>
+              </a:rPr>
+              <a:t>Responsive Design</a:t>
             </a:r>
             <a:endParaRPr lang="en-US" altLang="zh-CN">
               <a:sym typeface="+mn-ea"/>
@@ -952,9 +990,20 @@
           <a:p>
             <a:r>
               <a:rPr lang="en-US" altLang="zh-CN">
-                <a:sym typeface="+mn-ea"/>
-              </a:rPr>
-              <a:t>	Local Storage</a:t>
+                <a:solidFill>
+                  <a:schemeClr val="accent6">
+                    <a:lumMod val="75000"/>
+                  </a:schemeClr>
+                </a:solidFill>
+                <a:sym typeface="+mn-ea"/>
+              </a:rPr>
+              <a:t>    - </a:t>
+            </a:r>
+            <a:r>
+              <a:rPr lang="en-US" altLang="zh-CN">
+                <a:sym typeface="+mn-ea"/>
+              </a:rPr>
+              <a:t>Local Storage</a:t>
             </a:r>
             <a:endParaRPr lang="en-US" altLang="zh-CN">
               <a:sym typeface="+mn-ea"/>
@@ -982,25 +1031,41 @@
           </a:p>
           <a:p>
             <a:r>
+              <a:rPr lang="en-US" altLang="zh-CN">
+                <a:solidFill>
+                  <a:schemeClr val="accent6">
+                    <a:lumMod val="75000"/>
+                  </a:schemeClr>
+                </a:solidFill>
+                <a:sym typeface="+mn-ea"/>
+              </a:rPr>
+              <a:t>    - </a:t>
+            </a:r>
+            <a:r>
               <a:rPr lang="zh-CN" altLang="en-US">
                 <a:sym typeface="+mn-ea"/>
               </a:rPr>
-              <a:t>	- chrome-extension： kendo ui </a:t>
+              <a:t>chrome-extension： kendo ui </a:t>
             </a:r>
             <a:endParaRPr lang="zh-CN" altLang="en-US"/>
           </a:p>
           <a:p>
             <a:r>
+              <a:rPr lang="en-US" altLang="zh-CN">
+                <a:solidFill>
+                  <a:schemeClr val="accent6">
+                    <a:lumMod val="75000"/>
+                  </a:schemeClr>
+                </a:solidFill>
+                <a:sym typeface="+mn-ea"/>
+              </a:rPr>
+              <a:t>    - </a:t>
+            </a:r>
+            <a:r>
               <a:rPr lang="zh-CN" altLang="en-US">
                 <a:sym typeface="+mn-ea"/>
               </a:rPr>
-              <a:t>	- chrome-extension： knockoutjs context debugger</a:t>
-            </a:r>
-            <a:r>
-              <a:rPr lang="zh-CN" altLang="en-US">
-                <a:sym typeface="+mn-ea"/>
-              </a:rPr>
-              <a:t>	</a:t>
+              <a:t>chrome-extension： knockoutjs context debugger	</a:t>
             </a:r>
             <a:endParaRPr lang="en-US" altLang="zh-CN">
               <a:sym typeface="+mn-ea"/>
@@ -1059,16 +1124,21 @@
           </a:p>
           <a:p>
             <a:r>
-              <a:rPr lang="zh-CN" altLang="en-US">
-                <a:sym typeface="+mn-ea"/>
-              </a:rPr>
-              <a:t>	</a:t>
-            </a:r>
-            <a:r>
               <a:rPr lang="en-US" altLang="zh-CN">
-                <a:sym typeface="+mn-ea"/>
-              </a:rPr>
-              <a:t>- p</a:t>
+                <a:solidFill>
+                  <a:schemeClr val="accent6">
+                    <a:lumMod val="75000"/>
+                  </a:schemeClr>
+                </a:solidFill>
+                <a:sym typeface="+mn-ea"/>
+              </a:rPr>
+              <a:t>    - </a:t>
+            </a:r>
+            <a:r>
+              <a:rPr lang="en-US" altLang="zh-CN">
+                <a:sym typeface="+mn-ea"/>
+              </a:rPr>
+              <a:t>p</a:t>
             </a:r>
             <a:r>
               <a:rPr lang="zh-CN" altLang="en-US">
@@ -1094,10 +1164,15 @@
           </a:p>
           <a:p>
             <a:r>
-              <a:rPr lang="zh-CN" altLang="en-US">
-                <a:sym typeface="+mn-ea"/>
-              </a:rPr>
-              <a:t>	- </a:t>
+              <a:rPr lang="en-US" altLang="zh-CN">
+                <a:solidFill>
+                  <a:schemeClr val="accent6">
+                    <a:lumMod val="75000"/>
+                  </a:schemeClr>
+                </a:solidFill>
+                <a:sym typeface="+mn-ea"/>
+              </a:rPr>
+              <a:t>    - </a:t>
             </a:r>
             <a:r>
               <a:rPr lang="en-US" altLang="zh-CN">
@@ -1117,10 +1192,21 @@
           </a:p>
           <a:p>
             <a:r>
+              <a:rPr lang="en-US" altLang="zh-CN">
+                <a:solidFill>
+                  <a:schemeClr val="accent6">
+                    <a:lumMod val="75000"/>
+                  </a:schemeClr>
+                </a:solidFill>
+                <a:sym typeface="+mn-ea"/>
+              </a:rPr>
+              <a:t>    - </a:t>
+            </a:r>
+            <a:r>
               <a:rPr lang="zh-CN" altLang="en-US">
                 <a:sym typeface="+mn-ea"/>
               </a:rPr>
-              <a:t>	- format </a:t>
+              <a:t>format </a:t>
             </a:r>
             <a:r>
               <a:rPr lang="en-US" altLang="zh-CN">
@@ -1134,10 +1220,21 @@
           </a:p>
           <a:p>
             <a:r>
+              <a:rPr lang="en-US" altLang="zh-CN">
+                <a:solidFill>
+                  <a:schemeClr val="accent6">
+                    <a:lumMod val="75000"/>
+                  </a:schemeClr>
+                </a:solidFill>
+                <a:sym typeface="+mn-ea"/>
+              </a:rPr>
+              <a:t>    - </a:t>
+            </a:r>
+            <a:r>
               <a:rPr lang="zh-CN" altLang="en-US">
                 <a:sym typeface="+mn-ea"/>
               </a:rPr>
-              <a:t>	- edit </a:t>
+              <a:t>edit </a:t>
             </a:r>
             <a:r>
               <a:rPr lang="en-US" altLang="zh-CN">
@@ -1150,16 +1247,16 @@
             </a:endParaRPr>
           </a:p>
           <a:p>
-            <a:endParaRPr lang="zh-CN" altLang="en-US">
-              <a:sym typeface="+mn-ea"/>
-            </a:endParaRPr>
-          </a:p>
-          <a:p>
-            <a:r>
-              <a:rPr lang="zh-CN" altLang="en-US">
-                <a:sym typeface="+mn-ea"/>
-              </a:rPr>
-              <a:t>	- </a:t>
+            <a:r>
+              <a:rPr lang="en-US" altLang="zh-CN">
+                <a:solidFill>
+                  <a:schemeClr val="accent6">
+                    <a:lumMod val="75000"/>
+                  </a:schemeClr>
+                </a:solidFill>
+                <a:sym typeface="+mn-ea"/>
+              </a:rPr>
+              <a:t>    - </a:t>
             </a:r>
             <a:r>
               <a:rPr lang="en-US" altLang="zh-CN">
@@ -1194,7 +1291,7 @@
               <a:rPr lang="en-US" altLang="zh-CN">
                 <a:sym typeface="+mn-ea"/>
               </a:rPr>
-              <a:t>Log Panel</a:t>
+              <a:t>Panel</a:t>
             </a:r>
             <a:endParaRPr lang="en-US" altLang="zh-CN">
               <a:sym typeface="+mn-ea"/>
@@ -1202,34 +1299,28 @@
           </a:p>
           <a:p>
             <a:r>
+              <a:rPr lang="zh-CN" altLang="en-US">
+                <a:sym typeface="+mn-ea"/>
+              </a:rPr>
+              <a:t>- </a:t>
+            </a:r>
+            <a:r>
               <a:rPr lang="en-US" altLang="zh-CN">
                 <a:sym typeface="+mn-ea"/>
               </a:rPr>
-              <a:t>	L</a:t>
-            </a:r>
-            <a:r>
-              <a:rPr lang="zh-CN" altLang="en-US">
-                <a:sym typeface="+mn-ea"/>
-              </a:rPr>
-              <a:t>og </a:t>
+              <a:t>N</a:t>
+            </a:r>
+            <a:r>
+              <a:rPr lang="en-US">
+                <a:sym typeface="+mn-ea"/>
+              </a:rPr>
+              <a:t>ewworks</a:t>
             </a:r>
             <a:r>
               <a:rPr lang="en-US" altLang="zh-CN">
                 <a:sym typeface="+mn-ea"/>
               </a:rPr>
-              <a:t>R</a:t>
-            </a:r>
-            <a:r>
-              <a:rPr lang="zh-CN" altLang="en-US">
-                <a:sym typeface="+mn-ea"/>
-              </a:rPr>
-              <a:t>equest </a:t>
-            </a:r>
-            <a:r>
-              <a:rPr lang="en-US" altLang="zh-CN">
-                <a:sym typeface="+mn-ea"/>
-              </a:rPr>
-              <a:t>XML</a:t>
+              <a:t> Panel</a:t>
             </a:r>
             <a:endParaRPr lang="en-US" altLang="zh-CN">
               <a:sym typeface="+mn-ea"/>
@@ -1495,18 +1586,7 @@
                 </a:solidFill>
                 <a:sym typeface="+mn-ea"/>
               </a:rPr>
-              <a:t>Browser -</a:t>
-            </a:r>
-            <a:r>
-              <a:rPr lang="en-US" altLang="zh-CN">
-                <a:solidFill>
-                  <a:schemeClr val="accent6">
-                    <a:lumMod val="75000"/>
-                  </a:schemeClr>
-                </a:solidFill>
-                <a:sym typeface="+mn-ea"/>
-              </a:rPr>
-              <a:t> Server</a:t>
+              <a:t>Browser - Server</a:t>
             </a:r>
             <a:endParaRPr lang="en-US" altLang="zh-CN">
               <a:solidFill>
@@ -1584,61 +1664,16 @@
           </a:p>
           <a:p>
             <a:r>
-              <a:rPr lang="zh-CN" altLang="en-US">
-                <a:sym typeface="+mn-ea"/>
-              </a:rPr>
-              <a:t>- gps 数据库mapping</a:t>
-            </a:r>
-            <a:endParaRPr lang="zh-CN" altLang="en-US"/>
-          </a:p>
-          <a:p>
-            <a:r>
-              <a:rPr lang="zh-CN" altLang="en-US">
-                <a:sym typeface="+mn-ea"/>
-              </a:rPr>
-              <a:t>```</a:t>
-            </a:r>
-            <a:endParaRPr lang="zh-CN" altLang="en-US"/>
-          </a:p>
-          <a:p>
-            <a:r>
-              <a:rPr lang="zh-CN" altLang="en-US">
-                <a:sym typeface="+mn-ea"/>
-              </a:rPr>
-              <a:t>acs.vehicle.name =&gt; gps.vehicle.id</a:t>
-            </a:r>
-            <a:endParaRPr lang="zh-CN" altLang="en-US"/>
-          </a:p>
-          <a:p>
-            <a:r>
-              <a:rPr lang="zh-CN" altLang="en-US">
-                <a:sym typeface="+mn-ea"/>
-              </a:rPr>
-              <a:t>acs.vehicle.gpsid =&gt; gps.vehicle.ExternalID</a:t>
-            </a:r>
-            <a:endParaRPr lang="zh-CN" altLang="en-US"/>
-          </a:p>
-          <a:p>
-            <a:r>
-              <a:rPr lang="zh-CN" altLang="en-US">
-                <a:sym typeface="+mn-ea"/>
-              </a:rPr>
-              <a:t>TFGPS.INI </a:t>
-            </a:r>
-            <a:endParaRPr lang="zh-CN" altLang="en-US"/>
-          </a:p>
-          <a:p>
-            <a:r>
-              <a:rPr lang="zh-CN" altLang="en-US">
-                <a:sym typeface="+mn-ea"/>
-              </a:rPr>
-              <a:t>```</a:t>
-            </a:r>
-            <a:endParaRPr lang="zh-CN" altLang="en-US">
-              <a:sym typeface="+mn-ea"/>
-            </a:endParaRPr>
-          </a:p>
-          <a:p>
+              <a:rPr lang="en-US" altLang="zh-CN">
+                <a:solidFill>
+                  <a:schemeClr val="accent6">
+                    <a:lumMod val="75000"/>
+                  </a:schemeClr>
+                </a:solidFill>
+                <a:sym typeface="+mn-ea"/>
+              </a:rPr>
+              <a:t>- connection config: C:\acs2015\TFGPS.INI</a:t>
+            </a:r>
             <a:endParaRPr lang="en-US" altLang="zh-CN">
               <a:solidFill>
                 <a:schemeClr val="accent6">
@@ -1650,16 +1685,62 @@
           </a:p>
           <a:p>
             <a:r>
+              <a:rPr lang="zh-CN" altLang="en-US">
+                <a:sym typeface="+mn-ea"/>
+              </a:rPr>
+              <a:t>- </a:t>
+            </a:r>
+            <a:r>
               <a:rPr lang="en-US" altLang="zh-CN">
-                <a:solidFill>
-                  <a:schemeClr val="accent6">
-                    <a:lumMod val="75000"/>
-                  </a:schemeClr>
-                </a:solidFill>
-                <a:sym typeface="+mn-ea"/>
-              </a:rPr>
-              <a:t>Server - GIS DB</a:t>
-            </a:r>
+                <a:sym typeface="+mn-ea"/>
+              </a:rPr>
+              <a:t>data related ( data db - gps db)</a:t>
+            </a:r>
+            <a:endParaRPr lang="en-US" altLang="zh-CN">
+              <a:sym typeface="+mn-ea"/>
+            </a:endParaRPr>
+          </a:p>
+          <a:p>
+            <a:r>
+              <a:rPr lang="zh-CN" altLang="en-US">
+                <a:sym typeface="+mn-ea"/>
+              </a:rPr>
+              <a:t>    ```</a:t>
+            </a:r>
+            <a:endParaRPr lang="zh-CN" altLang="en-US"/>
+          </a:p>
+          <a:p>
+            <a:r>
+              <a:rPr lang="zh-CN" altLang="en-US">
+                <a:sym typeface="+mn-ea"/>
+              </a:rPr>
+              <a:t>    acs.vehicle.name =&gt; gps.vehicle.id</a:t>
+            </a:r>
+            <a:endParaRPr lang="zh-CN" altLang="en-US"/>
+          </a:p>
+          <a:p>
+            <a:r>
+              <a:rPr lang="zh-CN" altLang="en-US">
+                <a:sym typeface="+mn-ea"/>
+              </a:rPr>
+              <a:t>    acs.vehicle.gpsid =&gt; gps.vehicle.ExternalID</a:t>
+            </a:r>
+            <a:endParaRPr lang="zh-CN" altLang="en-US">
+              <a:sym typeface="+mn-ea"/>
+            </a:endParaRPr>
+          </a:p>
+          <a:p>
+            <a:r>
+              <a:rPr lang="zh-CN" altLang="en-US">
+                <a:sym typeface="+mn-ea"/>
+              </a:rPr>
+              <a:t>    ```</a:t>
+            </a:r>
+            <a:endParaRPr lang="zh-CN" altLang="en-US">
+              <a:sym typeface="+mn-ea"/>
+            </a:endParaRPr>
+          </a:p>
+          <a:p>
             <a:endParaRPr lang="en-US" altLang="zh-CN">
               <a:solidFill>
                 <a:schemeClr val="accent6">
@@ -1671,77 +1752,16 @@
           </a:p>
           <a:p>
             <a:r>
-              <a:rPr lang="zh-CN" altLang="en-US">
-                <a:sym typeface="+mn-ea"/>
-              </a:rPr>
-              <a:t>- sql lite</a:t>
-            </a:r>
-            <a:endParaRPr lang="zh-CN" altLang="en-US"/>
-          </a:p>
-          <a:p>
-            <a:r>
-              <a:rPr lang="zh-CN" altLang="en-US">
-                <a:sym typeface="+mn-ea"/>
-              </a:rPr>
-              <a:t>```</a:t>
-            </a:r>
-            <a:endParaRPr lang="zh-CN" altLang="en-US"/>
-          </a:p>
-          <a:p>
-            <a:r>
-              <a:rPr lang="zh-CN" altLang="en-US">
-                <a:sym typeface="+mn-ea"/>
-              </a:rPr>
-              <a:t>- dataSourceSpatial</a:t>
-            </a:r>
-            <a:endParaRPr lang="zh-CN" altLang="en-US"/>
-          </a:p>
-          <a:p>
-            <a:r>
-              <a:rPr lang="zh-CN" altLang="en-US">
-                <a:sym typeface="+mn-ea"/>
-              </a:rPr>
-              <a:t>地图调试入口</a:t>
-            </a:r>
-            <a:endParaRPr lang="zh-CN" altLang="en-US"/>
-          </a:p>
-          <a:p>
-            <a:r>
-              <a:rPr lang="zh-CN" altLang="en-US">
-                <a:sym typeface="+mn-ea"/>
-              </a:rPr>
-              <a:t>- special convert</a:t>
-            </a:r>
-            <a:endParaRPr lang="zh-CN" altLang="en-US"/>
-          </a:p>
-          <a:p>
-            <a:r>
-              <a:rPr lang="zh-CN" altLang="en-US">
-                <a:sym typeface="+mn-ea"/>
-              </a:rPr>
-              <a:t>Con = new SQLiteConnection(@"URI=file:" + SpatialPath);</a:t>
-            </a:r>
-            <a:endParaRPr lang="zh-CN" altLang="en-US"/>
-          </a:p>
-          <a:p>
-            <a:r>
-              <a:rPr lang="zh-CN" altLang="en-US">
-                <a:sym typeface="+mn-ea"/>
-              </a:rPr>
-              <a:t>- geo region connection</a:t>
-            </a:r>
-            <a:endParaRPr lang="zh-CN" altLang="en-US"/>
-          </a:p>
-          <a:p>
-            <a:r>
-              <a:rPr lang="zh-CN" altLang="en-US">
-                <a:sym typeface="+mn-ea"/>
-              </a:rPr>
-              <a:t>```</a:t>
-            </a:r>
-            <a:endParaRPr lang="zh-CN" altLang="en-US"/>
-          </a:p>
-          <a:p>
+              <a:rPr lang="en-US" altLang="zh-CN">
+                <a:solidFill>
+                  <a:schemeClr val="accent6">
+                    <a:lumMod val="75000"/>
+                  </a:schemeClr>
+                </a:solidFill>
+                <a:sym typeface="+mn-ea"/>
+              </a:rPr>
+              <a:t>Server - GIS DB</a:t>
+            </a:r>
             <a:endParaRPr lang="en-US" altLang="zh-CN">
               <a:solidFill>
                 <a:schemeClr val="accent6">
@@ -1752,6 +1772,17 @@
             </a:endParaRPr>
           </a:p>
           <a:p>
+            <a:r>
+              <a:rPr lang="en-US" altLang="zh-CN">
+                <a:solidFill>
+                  <a:schemeClr val="accent6">
+                    <a:lumMod val="75000"/>
+                  </a:schemeClr>
+                </a:solidFill>
+                <a:sym typeface="+mn-ea"/>
+              </a:rPr>
+              <a:t>- db locate : C:\DevelopmentGit\RoutefinderApi\RoutefinderApi\local\sample\db7\dataSourceSpatial</a:t>
+            </a:r>
             <a:endParaRPr lang="en-US" altLang="zh-CN">
               <a:solidFill>
                 <a:schemeClr val="accent6">
@@ -1771,7 +1802,7 @@
                 </a:solidFill>
                 <a:sym typeface="+mn-ea"/>
               </a:rPr>
-              <a:t>Server - SQL Server</a:t>
+              <a:t>- code in server : C:\DevelopmentGit\Core\Transfinder.Routefinder.Data\Spatial\SpatialConverter.cs</a:t>
             </a:r>
             <a:endParaRPr lang="en-US" altLang="zh-CN">
               <a:solidFill>
@@ -1783,32 +1814,13 @@
             </a:endParaRPr>
           </a:p>
           <a:p>
-            <a:r>
-              <a:rPr lang="en-US" altLang="zh-CN">
-                <a:solidFill>
-                  <a:schemeClr val="accent6">
-                    <a:lumMod val="75000"/>
-                  </a:schemeClr>
-                </a:solidFill>
-                <a:sym typeface="+mn-ea"/>
-              </a:rPr>
-              <a:t>- ORM - </a:t>
-            </a:r>
-            <a:r>
-              <a:rPr lang="zh-CN" altLang="en-US">
-                <a:sym typeface="+mn-ea"/>
-              </a:rPr>
-              <a:t>PersistenceInfoProvider.cs</a:t>
-            </a:r>
-            <a:endParaRPr lang="zh-CN" altLang="en-US"/>
-          </a:p>
-          <a:p>
             <a:endParaRPr lang="en-US" altLang="zh-CN">
               <a:solidFill>
                 <a:schemeClr val="accent6">
                   <a:lumMod val="75000"/>
                 </a:schemeClr>
               </a:solidFill>
+              <a:sym typeface="+mn-ea"/>
             </a:endParaRPr>
           </a:p>
           <a:p>
@@ -1821,7 +1833,7 @@
                 </a:solidFill>
                 <a:sym typeface="+mn-ea"/>
               </a:rPr>
-              <a:t>Build Agent</a:t>
+              <a:t>Server - SQL Server</a:t>
             </a:r>
             <a:endParaRPr lang="en-US" altLang="zh-CN">
               <a:solidFill>
@@ -1829,6 +1841,35 @@
                   <a:lumMod val="75000"/>
                 </a:schemeClr>
               </a:solidFill>
+              <a:sym typeface="+mn-ea"/>
+            </a:endParaRPr>
+          </a:p>
+          <a:p>
+            <a:r>
+              <a:rPr lang="en-US" altLang="zh-CN">
+                <a:solidFill>
+                  <a:schemeClr val="accent6">
+                    <a:lumMod val="75000"/>
+                  </a:schemeClr>
+                </a:solidFill>
+                <a:sym typeface="+mn-ea"/>
+              </a:rPr>
+              <a:t>- orm mapping - search </a:t>
+            </a:r>
+            <a:r>
+              <a:rPr lang="zh-CN" altLang="en-US">
+                <a:sym typeface="+mn-ea"/>
+              </a:rPr>
+              <a:t>PersistenceInfoProvider.cs </a:t>
+            </a:r>
+            <a:r>
+              <a:rPr lang="en-US" altLang="zh-CN">
+                <a:sym typeface="+mn-ea"/>
+              </a:rPr>
+              <a:t>in webapi</a:t>
+            </a:r>
+            <a:endParaRPr lang="en-US" altLang="zh-CN">
+              <a:sym typeface="+mn-ea"/>
             </a:endParaRPr>
           </a:p>
           <a:p>
@@ -1838,7 +1879,6 @@
                   <a:lumMod val="75000"/>
                 </a:schemeClr>
               </a:solidFill>
-              <a:sym typeface="+mn-ea"/>
             </a:endParaRPr>
           </a:p>
           <a:p>
@@ -1851,7 +1891,7 @@
                 </a:solidFill>
                 <a:sym typeface="+mn-ea"/>
               </a:rPr>
-              <a:t>Rollback to old version</a:t>
+              <a:t>Build Agent</a:t>
             </a:r>
             <a:endParaRPr lang="en-US" altLang="zh-CN">
               <a:solidFill>
@@ -1859,6 +1899,7 @@
                   <a:lumMod val="75000"/>
                 </a:schemeClr>
               </a:solidFill>
+              <a:sym typeface="+mn-ea"/>
             </a:endParaRPr>
           </a:p>
           <a:p>
@@ -1869,9 +1910,8 @@
                     <a:lumMod val="75000"/>
                   </a:schemeClr>
                 </a:solidFill>
-                <a:sym typeface="+mn-ea"/>
-              </a:rPr>
-              <a:t>a. Git Reset</a:t>
+              </a:rPr>
+              <a:t>- buildagent2-dt/ViewfinderDev/</a:t>
             </a:r>
             <a:endParaRPr lang="en-US" altLang="zh-CN">
               <a:solidFill>
@@ -1879,7 +1919,6 @@
                   <a:lumMod val="75000"/>
                 </a:schemeClr>
               </a:solidFill>
-              <a:sym typeface="+mn-ea"/>
             </a:endParaRPr>
           </a:p>
           <a:p>
@@ -1890,9 +1929,8 @@
                     <a:lumMod val="75000"/>
                   </a:schemeClr>
                 </a:solidFill>
-                <a:sym typeface="+mn-ea"/>
-              </a:rPr>
-              <a:t>b. Docker</a:t>
+              </a:rPr>
+              <a:t>- buildagent2-dt/RoutefinderWebDev/zh-CN/html/</a:t>
             </a:r>
             <a:endParaRPr lang="en-US" altLang="zh-CN">
               <a:solidFill>
@@ -1909,35 +1947,62 @@
                   <a:lumMod val="75000"/>
                 </a:schemeClr>
               </a:solidFill>
-            </a:endParaRPr>
-          </a:p>
-          <a:p>
-            <a:endParaRPr lang="zh-CN" altLang="en-US">
               <a:sym typeface="+mn-ea"/>
             </a:endParaRPr>
           </a:p>
           <a:p>
             <a:r>
-              <a:rPr lang="zh-CN" altLang="en-US">
-                <a:sym typeface="+mn-ea"/>
-              </a:rPr>
-              <a:t>	</a:t>
-            </a:r>
-            <a:endParaRPr lang="zh-CN" altLang="en-US"/>
-          </a:p>
-          <a:p>
-            <a:endParaRPr lang="zh-CN" altLang="en-US"/>
-          </a:p>
-          <a:p>
-            <a:r>
-              <a:rPr lang="zh-CN" altLang="en-US">
-                <a:sym typeface="+mn-ea"/>
-              </a:rPr>
-              <a:t>	</a:t>
-            </a:r>
-            <a:endParaRPr lang="zh-CN" altLang="en-US"/>
-          </a:p>
-          <a:p>
+              <a:rPr lang="en-US" altLang="zh-CN">
+                <a:solidFill>
+                  <a:schemeClr val="accent6">
+                    <a:lumMod val="75000"/>
+                  </a:schemeClr>
+                </a:solidFill>
+                <a:sym typeface="+mn-ea"/>
+              </a:rPr>
+              <a:t>Rollback to old version</a:t>
+            </a:r>
+            <a:endParaRPr lang="en-US" altLang="zh-CN">
+              <a:solidFill>
+                <a:schemeClr val="accent6">
+                  <a:lumMod val="75000"/>
+                </a:schemeClr>
+              </a:solidFill>
+            </a:endParaRPr>
+          </a:p>
+          <a:p>
+            <a:r>
+              <a:rPr lang="en-US" altLang="zh-CN">
+                <a:solidFill>
+                  <a:schemeClr val="accent6">
+                    <a:lumMod val="75000"/>
+                  </a:schemeClr>
+                </a:solidFill>
+                <a:sym typeface="+mn-ea"/>
+              </a:rPr>
+              <a:t>- git reset</a:t>
+            </a:r>
+            <a:endParaRPr lang="en-US" altLang="zh-CN">
+              <a:solidFill>
+                <a:schemeClr val="accent6">
+                  <a:lumMod val="75000"/>
+                </a:schemeClr>
+              </a:solidFill>
+              <a:sym typeface="+mn-ea"/>
+            </a:endParaRPr>
+          </a:p>
+          <a:p>
+            <a:r>
+              <a:rPr lang="en-US" altLang="zh-CN">
+                <a:solidFill>
+                  <a:schemeClr val="accent6">
+                    <a:lumMod val="75000"/>
+                  </a:schemeClr>
+                </a:solidFill>
+                <a:sym typeface="+mn-ea"/>
+              </a:rPr>
+              <a:t>- docker</a:t>
+            </a:r>
             <a:endParaRPr lang="zh-CN" altLang="en-US"/>
           </a:p>
         </p:txBody>
@@ -2039,7 +2104,7 @@
               <a:rPr lang="en-US" altLang="zh-CN">
                 <a:sym typeface="+mn-ea"/>
               </a:rPr>
-              <a:t>http://taligarsiel.com/Projects/howbrowserswork1.htm</a:t>
+              <a:t>- http://taligarsiel.com/Projects/howbrowserswork1.htm</a:t>
             </a:r>
             <a:endParaRPr lang="en-US" altLang="zh-CN"/>
           </a:p>
@@ -2048,7 +2113,7 @@
               <a:rPr lang="en-US" altLang="zh-CN">
                 <a:sym typeface="+mn-ea"/>
               </a:rPr>
-              <a:t>http://www.oschina.net/question/12_32766?fromerr=gAVoJWBR</a:t>
+              <a:t>- http://www.oschina.net/question/12_32766?fromerr=gAVoJWBR</a:t>
             </a:r>
             <a:endParaRPr lang="en-US" altLang="zh-CN"/>
           </a:p>
@@ -2142,7 +2207,7 @@
               <a:rPr lang="en-US" altLang="zh-CN">
                 <a:sym typeface="+mn-ea"/>
               </a:rPr>
-              <a:t>- Virtual Scroll Bar</a:t>
+              <a:t>- virtual Scroll Bar</a:t>
             </a:r>
             <a:endParaRPr lang="en-US" altLang="zh-CN">
               <a:sym typeface="+mn-ea"/>
@@ -2153,7 +2218,7 @@
               <a:rPr lang="en-US" altLang="zh-CN">
                 <a:sym typeface="+mn-ea"/>
               </a:rPr>
-              <a:t>- Reduce response data size</a:t>
+              <a:t>- reduce response data size</a:t>
             </a:r>
             <a:endParaRPr lang="en-US" altLang="zh-CN">
               <a:sym typeface="+mn-ea"/>
@@ -2185,7 +2250,7 @@
               <a:rPr lang="en-US" altLang="zh-CN">
                 <a:sym typeface="+mn-ea"/>
               </a:rPr>
-              <a:t>- Gzip</a:t>
+              <a:t>- gzip</a:t>
             </a:r>
             <a:endParaRPr lang="en-US" altLang="zh-CN">
               <a:sym typeface="+mn-ea"/>
@@ -2196,7 +2261,7 @@
               <a:rPr lang="en-US" altLang="zh-CN">
                 <a:sym typeface="+mn-ea"/>
               </a:rPr>
-              <a:t>- Cache</a:t>
+              <a:t>- cache</a:t>
             </a:r>
             <a:endParaRPr lang="en-US" altLang="zh-CN">
               <a:sym typeface="+mn-ea"/>
@@ -2207,7 +2272,7 @@
               <a:rPr lang="en-US" altLang="zh-CN">
                 <a:sym typeface="+mn-ea"/>
               </a:rPr>
-              <a:t>- Etag</a:t>
+              <a:t>- etag</a:t>
             </a:r>
             <a:endParaRPr lang="zh-CN" altLang="en-US"/>
           </a:p>
@@ -2748,7 +2813,7 @@
           <a:p>
             <a:r>
               <a:rPr lang="en-US" altLang="zh-CN"/>
-              <a:t>http://www.ruanyifeng.com/blog/2015/09/continuous-integration.html</a:t>
+              <a:t>- http://www.ruanyifeng.com/blog/2015/09/continuous-integration.html</a:t>
             </a:r>
             <a:endParaRPr lang="en-US" altLang="zh-CN"/>
           </a:p>
@@ -9023,7 +9088,7 @@
         </p:nvSpPr>
         <p:spPr>
           <a:xfrm>
-            <a:off x="914400" y="2130425"/>
+            <a:off x="861060" y="2409190"/>
             <a:ext cx="10363200" cy="1810385"/>
           </a:xfrm>
         </p:spPr>
@@ -9034,14 +9099,15 @@
           <a:lstStyle/>
           <a:p>
             <a:r>
-              <a:rPr lang="en-US" altLang="zh-CN" sz="4000" dirty="0" smtClean="0">
-                <a:solidFill>
-                  <a:schemeClr val="accent6">
-                    <a:lumMod val="75000"/>
-                  </a:schemeClr>
-                </a:solidFill>
-              </a:rPr>
-              <a:t>How to treating the elephant</a:t>
+              <a:rPr lang="en-US" sz="4000" dirty="0" smtClean="0">
+                <a:solidFill>
+                  <a:schemeClr val="accent6">
+                    <a:lumMod val="75000"/>
+                  </a:schemeClr>
+                </a:solidFill>
+                <a:sym typeface="+mn-ea"/>
+              </a:rPr>
+              <a:t>How To Debug WebSite</a:t>
             </a:r>
             <a:br>
               <a:rPr lang="en-US" altLang="zh-CN" sz="4000" dirty="0" smtClean="0">
@@ -9053,15 +9119,15 @@
               </a:rPr>
             </a:br>
             <a:r>
-              <a:rPr lang="en-US" sz="2400" dirty="0" smtClean="0">
-                <a:solidFill>
-                  <a:schemeClr val="accent6">
-                    <a:lumMod val="75000"/>
-                  </a:schemeClr>
-                </a:solidFill>
-                <a:sym typeface="+mn-ea"/>
-              </a:rPr>
-              <a:t>How To Debug WebSite</a:t>
+              <a:rPr lang="en-US" altLang="zh-CN" sz="2400" dirty="0" smtClean="0">
+                <a:solidFill>
+                  <a:schemeClr val="accent6">
+                    <a:lumMod val="75000"/>
+                  </a:schemeClr>
+                </a:solidFill>
+                <a:sym typeface="+mn-ea"/>
+              </a:rPr>
+              <a:t>How to treating the elephant</a:t>
             </a:r>
             <a:br>
               <a:rPr lang="en-US" dirty="0" smtClean="0">
@@ -9573,7 +9639,6 @@
           <a:p>
             <a:r>
               <a:rPr lang="en-US" altLang="zh-CN" sz="2400">
-                <a:ln/>
                 <a:solidFill>
                   <a:schemeClr val="accent1"/>
                 </a:solidFill>
@@ -9588,7 +9653,6 @@
               <a:t>Quick understand subsystem</a:t>
             </a:r>
             <a:endParaRPr lang="en-US" altLang="zh-CN" sz="2400">
-              <a:ln/>
               <a:solidFill>
                 <a:schemeClr val="accent1"/>
               </a:solidFill>
@@ -9604,7 +9668,6 @@
           <a:p>
             <a:r>
               <a:rPr lang="en-US" altLang="zh-CN">
-                <a:ln/>
                 <a:solidFill>
                   <a:schemeClr val="accent1"/>
                 </a:solidFill>
@@ -9620,7 +9683,6 @@
               <a:t>- Build iteration environment</a:t>
             </a:r>
             <a:endParaRPr lang="en-US" altLang="zh-CN">
-              <a:ln/>
               <a:solidFill>
                 <a:schemeClr val="accent1"/>
               </a:solidFill>
@@ -10847,18 +10909,7 @@
                 </a:solidFill>
                 <a:sym typeface="+mn-ea"/>
               </a:rPr>
-              <a:t>- </a:t>
-            </a:r>
-            <a:r>
-              <a:rPr lang="en-US" altLang="zh-CN">
-                <a:solidFill>
-                  <a:schemeClr val="accent6">
-                    <a:lumMod val="75000"/>
-                  </a:schemeClr>
-                </a:solidFill>
-                <a:sym typeface="+mn-ea"/>
-              </a:rPr>
-              <a:t>How to Debug LESS?</a:t>
+              <a:t>- How to Debug LESS?</a:t>
             </a:r>
             <a:endParaRPr lang="en-US" altLang="zh-CN">
               <a:solidFill>
@@ -10879,18 +10930,7 @@
                 </a:solidFill>
                 <a:sym typeface="+mn-ea"/>
               </a:rPr>
-              <a:t>- </a:t>
-            </a:r>
-            <a:r>
-              <a:rPr lang="en-US" altLang="zh-CN">
-                <a:solidFill>
-                  <a:schemeClr val="accent6">
-                    <a:lumMod val="75000"/>
-                  </a:schemeClr>
-                </a:solidFill>
-                <a:sym typeface="+mn-ea"/>
-              </a:rPr>
-              <a:t>What is sourceMap?</a:t>
+              <a:t>- What is sourceMap?</a:t>
             </a:r>
             <a:endParaRPr lang="en-US" altLang="zh-CN">
               <a:solidFill>
@@ -10963,7 +11003,7 @@
                 </a:solidFill>
                 <a:sym typeface="+mn-ea"/>
               </a:rPr>
-              <a:t>a. Elements Panel</a:t>
+              <a:t>a. elements panel</a:t>
             </a:r>
             <a:endParaRPr lang="en-US" altLang="zh-CN" sz="1200">
               <a:solidFill>
@@ -10984,7 +11024,7 @@
                 </a:solidFill>
                 <a:sym typeface="+mn-ea"/>
               </a:rPr>
-              <a:t>b. Resources Panel</a:t>
+              <a:t>b. resources panel</a:t>
             </a:r>
             <a:endParaRPr lang="en-US" altLang="zh-CN" sz="1200">
               <a:solidFill>
@@ -11078,7 +11118,7 @@
                 </a:solidFill>
                 <a:sym typeface="+mn-ea"/>
               </a:rPr>
-              <a:t>a. source Panel</a:t>
+              <a:t>a. source panel</a:t>
             </a:r>
             <a:endParaRPr lang="en-US" altLang="zh-CN" sz="1200">
               <a:solidFill>
@@ -11099,7 +11139,7 @@
                 </a:solidFill>
                 <a:sym typeface="+mn-ea"/>
               </a:rPr>
-              <a:t>b. Console Log Panel</a:t>
+              <a:t>b. console panel</a:t>
             </a:r>
             <a:endParaRPr lang="en-US" altLang="zh-CN" sz="1200">
               <a:solidFill>
@@ -11120,7 +11160,7 @@
                 </a:solidFill>
                 <a:sym typeface="+mn-ea"/>
               </a:rPr>
-              <a:t>c. net work</a:t>
+              <a:t>c. network panel</a:t>
             </a:r>
             <a:endParaRPr lang="zh-CN" altLang="en-US"/>
           </a:p>
@@ -11579,7 +11619,7 @@
                 </a:solidFill>
                 <a:sym typeface="+mn-ea"/>
               </a:rPr>
-              <a:t>  (you cannot use vistual studio)</a:t>
+              <a:t>  (when you cannot use vistual studio)</a:t>
             </a:r>
             <a:endParaRPr lang="zh-CN" altLang="en-US"/>
           </a:p>
@@ -12786,7 +12826,6 @@
           <a:p>
             <a:r>
               <a:rPr lang="en-US" altLang="zh-CN" sz="2400">
-                <a:ln/>
                 <a:solidFill>
                   <a:schemeClr val="accent1"/>
                 </a:solidFill>
@@ -12801,7 +12840,6 @@
               <a:t>Find lesions</a:t>
             </a:r>
             <a:endParaRPr lang="en-US" altLang="zh-CN" sz="2400">
-              <a:ln/>
               <a:solidFill>
                 <a:schemeClr val="accent1"/>
               </a:solidFill>
@@ -12817,7 +12855,6 @@
           <a:p>
             <a:r>
               <a:rPr lang="en-US" altLang="zh-CN">
-                <a:ln/>
                 <a:solidFill>
                   <a:schemeClr val="accent1"/>
                 </a:solidFill>
@@ -12833,7 +12870,6 @@
               <a:t>- Locate the problem</a:t>
             </a:r>
             <a:endParaRPr lang="en-US" altLang="zh-CN">
-              <a:ln/>
               <a:solidFill>
                 <a:schemeClr val="accent1"/>
               </a:solidFill>
@@ -13232,18 +13268,7 @@
                 </a:solidFill>
                 <a:sym typeface="+mn-ea"/>
               </a:rPr>
-              <a:t>- </a:t>
-            </a:r>
-            <a:r>
-              <a:rPr lang="en-US" altLang="zh-CN">
-                <a:solidFill>
-                  <a:schemeClr val="accent6">
-                    <a:lumMod val="75000"/>
-                  </a:schemeClr>
-                </a:solidFill>
-                <a:sym typeface="+mn-ea"/>
-              </a:rPr>
-              <a:t>Server - GPS DB</a:t>
+              <a:t>- Server - GPS DB</a:t>
             </a:r>
             <a:endParaRPr lang="en-US" altLang="zh-CN">
               <a:solidFill>
@@ -13875,7 +13900,6 @@
           <a:p>
             <a:r>
               <a:rPr lang="en-US" altLang="zh-CN" sz="2400">
-                <a:ln/>
                 <a:solidFill>
                   <a:schemeClr val="accent1"/>
                 </a:solidFill>
@@ -13890,7 +13914,6 @@
               <a:t>Special conditions</a:t>
             </a:r>
             <a:endParaRPr lang="en-US" altLang="zh-CN" sz="2400">
-              <a:ln/>
               <a:solidFill>
                 <a:schemeClr val="accent1"/>
               </a:solidFill>
@@ -13906,7 +13929,6 @@
           <a:p>
             <a:r>
               <a:rPr lang="en-US" altLang="zh-CN">
-                <a:ln/>
                 <a:solidFill>
                   <a:schemeClr val="accent1"/>
                 </a:solidFill>
@@ -13921,7 +13943,6 @@
               <a:t>- Performance issue</a:t>
             </a:r>
             <a:endParaRPr lang="en-US" altLang="zh-CN">
-              <a:ln/>
               <a:solidFill>
                 <a:schemeClr val="accent1"/>
               </a:solidFill>
@@ -14348,18 +14369,7 @@
                 </a:solidFill>
                 <a:sym typeface="+mn-ea"/>
               </a:rPr>
-              <a:t>- </a:t>
-            </a:r>
-            <a:r>
-              <a:rPr lang="en-US" altLang="zh-CN" sz="2400">
-                <a:solidFill>
-                  <a:schemeClr val="accent6">
-                    <a:lumMod val="75000"/>
-                  </a:schemeClr>
-                </a:solidFill>
-                <a:sym typeface="+mn-ea"/>
-              </a:rPr>
-              <a:t>Technaicl / Skill we used(2)</a:t>
+              <a:t>- Technaicl / Skill we used(2)</a:t>
             </a:r>
             <a:endParaRPr lang="en-US" altLang="zh-CN" sz="2400">
               <a:solidFill>
@@ -16156,7 +16166,7 @@
         <p:spPr>
           <a:xfrm>
             <a:off x="1703070" y="1365250"/>
-            <a:ext cx="6078855" cy="3569335"/>
+            <a:ext cx="6078855" cy="3477895"/>
           </a:xfrm>
           <a:prstGeom prst="rect">
             <a:avLst/>
@@ -16170,7 +16180,6 @@
           <a:p>
             <a:r>
               <a:rPr lang="en-US" sz="2400">
-                <a:ln/>
                 <a:solidFill>
                   <a:schemeClr val="accent1"/>
                 </a:solidFill>
@@ -16186,7 +16195,6 @@
               <a:t>Understand the whole picture</a:t>
             </a:r>
             <a:endParaRPr lang="en-US" altLang="zh-CN" sz="2400">
-              <a:ln/>
               <a:solidFill>
                 <a:schemeClr val="accent1"/>
               </a:solidFill>
@@ -16203,7 +16211,6 @@
           <a:p>
             <a:r>
               <a:rPr lang="en-US" altLang="zh-CN">
-                <a:ln/>
                 <a:solidFill>
                   <a:schemeClr val="accent1"/>
                 </a:solidFill>
@@ -16218,7 +16225,6 @@
               <a:t>- Subsystem / Third part plugin / Environment</a:t>
             </a:r>
             <a:endParaRPr lang="en-US" altLang="zh-CN">
-              <a:ln/>
               <a:solidFill>
                 <a:schemeClr val="accent1"/>
               </a:solidFill>
@@ -16233,7 +16239,6 @@
           </a:p>
           <a:p>
             <a:endParaRPr lang="en-US" altLang="zh-CN">
-              <a:ln/>
               <a:solidFill>
                 <a:schemeClr val="accent1"/>
               </a:solidFill>
@@ -16337,6 +16342,17 @@
             </a:endParaRPr>
           </a:p>
           <a:p>
+            <a:r>
+              <a:rPr lang="en-US" altLang="zh-CN">
+                <a:solidFill>
+                  <a:schemeClr val="accent6">
+                    <a:lumMod val="75000"/>
+                  </a:schemeClr>
+                </a:solidFill>
+                <a:sym typeface="+mn-ea"/>
+              </a:rPr>
+              <a:t> </a:t>
+            </a:r>
             <a:endParaRPr lang="en-US" altLang="zh-CN" sz="2400">
               <a:solidFill>
                 <a:schemeClr val="accent6">
@@ -17313,18 +17329,7 @@
                 </a:solidFill>
                 <a:sym typeface="+mn-ea"/>
               </a:rPr>
-              <a:t>Frameworks used to buid </a:t>
-            </a:r>
-            <a:r>
-              <a:rPr lang="en-US" altLang="zh-CN" sz="2400">
-                <a:solidFill>
-                  <a:schemeClr val="accent6">
-                    <a:lumMod val="75000"/>
-                  </a:schemeClr>
-                </a:solidFill>
-                <a:sym typeface="+mn-ea"/>
-              </a:rPr>
-              <a:t>Interface</a:t>
+              <a:t>Frameworks used to buid Interface</a:t>
             </a:r>
             <a:endParaRPr lang="en-US" altLang="zh-CN" sz="2400">
               <a:solidFill>
@@ -18565,7 +18570,7 @@
         </p:nvSpPr>
         <p:spPr>
           <a:xfrm>
-            <a:off x="6626860" y="1049655"/>
+            <a:off x="5706745" y="1039495"/>
             <a:ext cx="3497580" cy="2686685"/>
           </a:xfrm>
           <a:prstGeom prst="rect">
